--- a/static/lectures/SSA_Lecture6_Day2_Intro.pptx
+++ b/static/lectures/SSA_Lecture6_Day2_Intro.pptx
@@ -5,7 +5,7 @@
     <p:sldMasterId id="2147483648" r:id="rId1"/>
   </p:sldMasterIdLst>
   <p:notesMasterIdLst>
-    <p:notesMasterId r:id="rId11"/>
+    <p:notesMasterId r:id="rId15"/>
   </p:notesMasterIdLst>
   <p:sldIdLst>
     <p:sldId id="258" r:id="rId2"/>
@@ -15,8 +15,12 @@
     <p:sldId id="262" r:id="rId6"/>
     <p:sldId id="263" r:id="rId7"/>
     <p:sldId id="264" r:id="rId8"/>
-    <p:sldId id="265" r:id="rId9"/>
-    <p:sldId id="266" r:id="rId10"/>
+    <p:sldId id="267" r:id="rId9"/>
+    <p:sldId id="270" r:id="rId10"/>
+    <p:sldId id="268" r:id="rId11"/>
+    <p:sldId id="269" r:id="rId12"/>
+    <p:sldId id="265" r:id="rId13"/>
+    <p:sldId id="266" r:id="rId14"/>
   </p:sldIdLst>
   <p:sldSz cx="12192000" cy="6858000"/>
   <p:notesSz cx="6858000" cy="9144000"/>
@@ -205,7 +209,7 @@
           <a:p>
             <a:fld id="{3D0ED772-0619-40E8-B697-171CDFD1EE71}" type="datetimeFigureOut">
               <a:rPr lang="en-US" smtClean="0"/>
-              <a:t>10/18/2018</a:t>
+              <a:t>11/25/2019</a:t>
             </a:fld>
             <a:endParaRPr lang="en-US"/>
           </a:p>
@@ -1856,7 +1860,7 @@
           <a:p>
             <a:fld id="{96DCDAD2-BF2B-4B23-962D-FA09F549519F}" type="datetimeFigureOut">
               <a:rPr lang="en-US" smtClean="0"/>
-              <a:t>10/18/2018</a:t>
+              <a:t>11/25/2019</a:t>
             </a:fld>
             <a:endParaRPr lang="en-US"/>
           </a:p>
@@ -2080,7 +2084,7 @@
           <a:p>
             <a:fld id="{96DCDAD2-BF2B-4B23-962D-FA09F549519F}" type="datetimeFigureOut">
               <a:rPr lang="en-US" smtClean="0"/>
-              <a:t>10/18/2018</a:t>
+              <a:t>11/25/2019</a:t>
             </a:fld>
             <a:endParaRPr lang="en-US"/>
           </a:p>
@@ -2620,7 +2624,7 @@
           <a:p>
             <a:fld id="{96DCDAD2-BF2B-4B23-962D-FA09F549519F}" type="datetimeFigureOut">
               <a:rPr lang="en-US" smtClean="0"/>
-              <a:t>10/18/2018</a:t>
+              <a:t>11/25/2019</a:t>
             </a:fld>
             <a:endParaRPr lang="en-US"/>
           </a:p>
@@ -2901,7 +2905,7 @@
           <a:p>
             <a:fld id="{96DCDAD2-BF2B-4B23-962D-FA09F549519F}" type="datetimeFigureOut">
               <a:rPr lang="en-US" smtClean="0"/>
-              <a:t>10/18/2018</a:t>
+              <a:t>11/25/2019</a:t>
             </a:fld>
             <a:endParaRPr lang="en-US"/>
           </a:p>
@@ -3329,7 +3333,7 @@
           <a:p>
             <a:fld id="{96DCDAD2-BF2B-4B23-962D-FA09F549519F}" type="datetimeFigureOut">
               <a:rPr lang="en-US" smtClean="0"/>
-              <a:t>10/18/2018</a:t>
+              <a:t>11/25/2019</a:t>
             </a:fld>
             <a:endParaRPr lang="en-US"/>
           </a:p>
@@ -3486,7 +3490,7 @@
           <a:p>
             <a:fld id="{96DCDAD2-BF2B-4B23-962D-FA09F549519F}" type="datetimeFigureOut">
               <a:rPr lang="en-US" smtClean="0"/>
-              <a:t>10/18/2018</a:t>
+              <a:t>11/25/2019</a:t>
             </a:fld>
             <a:endParaRPr lang="en-US"/>
           </a:p>
@@ -3615,7 +3619,7 @@
           <a:p>
             <a:fld id="{96DCDAD2-BF2B-4B23-962D-FA09F549519F}" type="datetimeFigureOut">
               <a:rPr lang="en-US" smtClean="0"/>
-              <a:t>10/18/2018</a:t>
+              <a:t>11/25/2019</a:t>
             </a:fld>
             <a:endParaRPr lang="en-US"/>
           </a:p>
@@ -3942,7 +3946,7 @@
           <a:p>
             <a:fld id="{96DCDAD2-BF2B-4B23-962D-FA09F549519F}" type="datetimeFigureOut">
               <a:rPr lang="en-US" smtClean="0"/>
-              <a:t>10/18/2018</a:t>
+              <a:t>11/25/2019</a:t>
             </a:fld>
             <a:endParaRPr lang="en-US"/>
           </a:p>
@@ -4249,7 +4253,7 @@
           <a:p>
             <a:fld id="{96DCDAD2-BF2B-4B23-962D-FA09F549519F}" type="datetimeFigureOut">
               <a:rPr lang="en-US" smtClean="0"/>
-              <a:t>10/18/2018</a:t>
+              <a:t>11/25/2019</a:t>
             </a:fld>
             <a:endParaRPr lang="en-US"/>
           </a:p>
@@ -5070,6 +5074,1606 @@
 </p:sld>
 </file>
 
+<file path=ppt/slides/slide10.xml><?xml version="1.0" encoding="utf-8"?>
+<p:sld xmlns:a="http://schemas.openxmlformats.org/drawingml/2006/main" xmlns:r="http://schemas.openxmlformats.org/officeDocument/2006/relationships" xmlns:p="http://schemas.openxmlformats.org/presentationml/2006/main">
+  <p:cSld>
+    <p:spTree>
+      <p:nvGrpSpPr>
+        <p:cNvPr id="1" name=""/>
+        <p:cNvGrpSpPr/>
+        <p:nvPr/>
+      </p:nvGrpSpPr>
+      <p:grpSpPr>
+        <a:xfrm>
+          <a:off x="0" y="0"/>
+          <a:ext cx="0" cy="0"/>
+          <a:chOff x="0" y="0"/>
+          <a:chExt cx="0" cy="0"/>
+        </a:xfrm>
+      </p:grpSpPr>
+      <p:sp>
+        <p:nvSpPr>
+          <p:cNvPr id="2" name="Title 1">
+            <a:extLst>
+              <a:ext uri="{FF2B5EF4-FFF2-40B4-BE49-F238E27FC236}">
+                <a16:creationId xmlns:a16="http://schemas.microsoft.com/office/drawing/2014/main" id="{585240D9-A0AB-4BA3-B4E1-E0B9921125BC}"/>
+              </a:ext>
+            </a:extLst>
+          </p:cNvPr>
+          <p:cNvSpPr>
+            <a:spLocks noGrp="1"/>
+          </p:cNvSpPr>
+          <p:nvPr>
+            <p:ph type="title"/>
+          </p:nvPr>
+        </p:nvSpPr>
+        <p:spPr>
+          <a:xfrm>
+            <a:off x="838200" y="161234"/>
+            <a:ext cx="10515600" cy="1039605"/>
+          </a:xfrm>
+        </p:spPr>
+        <p:txBody>
+          <a:bodyPr/>
+          <a:lstStyle/>
+          <a:p>
+            <a:r>
+              <a:rPr lang="en-US" dirty="0"/>
+              <a:t>Parametric and temporal variability</a:t>
+            </a:r>
+          </a:p>
+        </p:txBody>
+      </p:sp>
+      <p:pic>
+        <p:nvPicPr>
+          <p:cNvPr id="5" name="Picture 4">
+            <a:extLst>
+              <a:ext uri="{FF2B5EF4-FFF2-40B4-BE49-F238E27FC236}">
+                <a16:creationId xmlns:a16="http://schemas.microsoft.com/office/drawing/2014/main" id="{15B0A101-CA2D-4454-8C78-4522FB3728D7}"/>
+              </a:ext>
+            </a:extLst>
+          </p:cNvPr>
+          <p:cNvPicPr>
+            <a:picLocks noChangeAspect="1"/>
+          </p:cNvPicPr>
+          <p:nvPr/>
+        </p:nvPicPr>
+        <p:blipFill>
+          <a:blip r:embed="rId2">
+            <a:extLst>
+              <a:ext uri="{28A0092B-C50C-407E-A947-70E740481C1C}">
+                <a14:useLocalDpi xmlns:a14="http://schemas.microsoft.com/office/drawing/2010/main" val="0"/>
+              </a:ext>
+            </a:extLst>
+          </a:blip>
+          <a:stretch>
+            <a:fillRect/>
+          </a:stretch>
+        </p:blipFill>
+        <p:spPr>
+          <a:xfrm>
+            <a:off x="4903304" y="3720548"/>
+            <a:ext cx="2903038" cy="2672253"/>
+          </a:xfrm>
+          <a:prstGeom prst="rect">
+            <a:avLst/>
+          </a:prstGeom>
+        </p:spPr>
+      </p:pic>
+      <p:pic>
+        <p:nvPicPr>
+          <p:cNvPr id="7" name="Picture 6">
+            <a:extLst>
+              <a:ext uri="{FF2B5EF4-FFF2-40B4-BE49-F238E27FC236}">
+                <a16:creationId xmlns:a16="http://schemas.microsoft.com/office/drawing/2014/main" id="{FE366AFA-9829-4423-8ED4-18619B5C5CC2}"/>
+              </a:ext>
+            </a:extLst>
+          </p:cNvPr>
+          <p:cNvPicPr>
+            <a:picLocks noChangeAspect="1"/>
+          </p:cNvPicPr>
+          <p:nvPr/>
+        </p:nvPicPr>
+        <p:blipFill>
+          <a:blip r:embed="rId3">
+            <a:extLst>
+              <a:ext uri="{28A0092B-C50C-407E-A947-70E740481C1C}">
+                <a14:useLocalDpi xmlns:a14="http://schemas.microsoft.com/office/drawing/2010/main" val="0"/>
+              </a:ext>
+            </a:extLst>
+          </a:blip>
+          <a:stretch>
+            <a:fillRect/>
+          </a:stretch>
+        </p:blipFill>
+        <p:spPr>
+          <a:xfrm>
+            <a:off x="1438042" y="3720547"/>
+            <a:ext cx="2903039" cy="2672254"/>
+          </a:xfrm>
+          <a:prstGeom prst="rect">
+            <a:avLst/>
+          </a:prstGeom>
+        </p:spPr>
+      </p:pic>
+      <p:pic>
+        <p:nvPicPr>
+          <p:cNvPr id="9" name="Picture 8">
+            <a:extLst>
+              <a:ext uri="{FF2B5EF4-FFF2-40B4-BE49-F238E27FC236}">
+                <a16:creationId xmlns:a16="http://schemas.microsoft.com/office/drawing/2014/main" id="{0E9AF620-E73A-43F2-ACD5-EA4F18301619}"/>
+              </a:ext>
+            </a:extLst>
+          </p:cNvPr>
+          <p:cNvPicPr>
+            <a:picLocks noChangeAspect="1"/>
+          </p:cNvPicPr>
+          <p:nvPr/>
+        </p:nvPicPr>
+        <p:blipFill>
+          <a:blip r:embed="rId4">
+            <a:extLst>
+              <a:ext uri="{28A0092B-C50C-407E-A947-70E740481C1C}">
+                <a14:useLocalDpi xmlns:a14="http://schemas.microsoft.com/office/drawing/2010/main" val="0"/>
+              </a:ext>
+            </a:extLst>
+          </a:blip>
+          <a:stretch>
+            <a:fillRect/>
+          </a:stretch>
+        </p:blipFill>
+        <p:spPr>
+          <a:xfrm>
+            <a:off x="838200" y="1200839"/>
+            <a:ext cx="9135750" cy="2276793"/>
+          </a:xfrm>
+          <a:prstGeom prst="rect">
+            <a:avLst/>
+          </a:prstGeom>
+        </p:spPr>
+      </p:pic>
+      <p:cxnSp>
+        <p:nvCxnSpPr>
+          <p:cNvPr id="11" name="Straight Arrow Connector 10">
+            <a:extLst>
+              <a:ext uri="{FF2B5EF4-FFF2-40B4-BE49-F238E27FC236}">
+                <a16:creationId xmlns:a16="http://schemas.microsoft.com/office/drawing/2014/main" id="{8B7B29DE-FDAC-43A4-B7E3-57CF7BC34A75}"/>
+              </a:ext>
+            </a:extLst>
+          </p:cNvPr>
+          <p:cNvCxnSpPr>
+            <a:cxnSpLocks/>
+          </p:cNvCxnSpPr>
+          <p:nvPr/>
+        </p:nvCxnSpPr>
+        <p:spPr>
+          <a:xfrm flipH="1">
+            <a:off x="2729948" y="2339235"/>
+            <a:ext cx="318052" cy="1821948"/>
+          </a:xfrm>
+          <a:prstGeom prst="straightConnector1">
+            <a:avLst/>
+          </a:prstGeom>
+          <a:ln w="25400">
+            <a:solidFill>
+              <a:schemeClr val="tx1"/>
+            </a:solidFill>
+            <a:tailEnd type="arrow" w="lg" len="lg"/>
+          </a:ln>
+        </p:spPr>
+        <p:style>
+          <a:lnRef idx="1">
+            <a:schemeClr val="accent1"/>
+          </a:lnRef>
+          <a:fillRef idx="0">
+            <a:schemeClr val="accent1"/>
+          </a:fillRef>
+          <a:effectRef idx="0">
+            <a:schemeClr val="accent1"/>
+          </a:effectRef>
+          <a:fontRef idx="minor">
+            <a:schemeClr val="tx1"/>
+          </a:fontRef>
+        </p:style>
+      </p:cxnSp>
+      <p:cxnSp>
+        <p:nvCxnSpPr>
+          <p:cNvPr id="13" name="Straight Arrow Connector 12">
+            <a:extLst>
+              <a:ext uri="{FF2B5EF4-FFF2-40B4-BE49-F238E27FC236}">
+                <a16:creationId xmlns:a16="http://schemas.microsoft.com/office/drawing/2014/main" id="{4A4C5791-224A-49A9-90A1-963FEFF2F117}"/>
+              </a:ext>
+            </a:extLst>
+          </p:cNvPr>
+          <p:cNvCxnSpPr/>
+          <p:nvPr/>
+        </p:nvCxnSpPr>
+        <p:spPr>
+          <a:xfrm flipV="1">
+            <a:off x="3048000" y="2339235"/>
+            <a:ext cx="1537252" cy="2285774"/>
+          </a:xfrm>
+          <a:prstGeom prst="straightConnector1">
+            <a:avLst/>
+          </a:prstGeom>
+          <a:ln w="15875">
+            <a:solidFill>
+              <a:schemeClr val="tx1"/>
+            </a:solidFill>
+            <a:tailEnd type="triangle"/>
+          </a:ln>
+        </p:spPr>
+        <p:style>
+          <a:lnRef idx="1">
+            <a:schemeClr val="accent1"/>
+          </a:lnRef>
+          <a:fillRef idx="0">
+            <a:schemeClr val="accent1"/>
+          </a:fillRef>
+          <a:effectRef idx="0">
+            <a:schemeClr val="accent1"/>
+          </a:effectRef>
+          <a:fontRef idx="minor">
+            <a:schemeClr val="tx1"/>
+          </a:fontRef>
+        </p:style>
+      </p:cxnSp>
+      <p:cxnSp>
+        <p:nvCxnSpPr>
+          <p:cNvPr id="15" name="Straight Arrow Connector 14">
+            <a:extLst>
+              <a:ext uri="{FF2B5EF4-FFF2-40B4-BE49-F238E27FC236}">
+                <a16:creationId xmlns:a16="http://schemas.microsoft.com/office/drawing/2014/main" id="{2CE19902-55AC-4D12-94E4-46F340E402E5}"/>
+              </a:ext>
+            </a:extLst>
+          </p:cNvPr>
+          <p:cNvCxnSpPr/>
+          <p:nvPr/>
+        </p:nvCxnSpPr>
+        <p:spPr>
+          <a:xfrm flipV="1">
+            <a:off x="2610678" y="2339235"/>
+            <a:ext cx="2650435" cy="2474523"/>
+          </a:xfrm>
+          <a:prstGeom prst="straightConnector1">
+            <a:avLst/>
+          </a:prstGeom>
+          <a:ln w="15875">
+            <a:solidFill>
+              <a:schemeClr val="tx1"/>
+            </a:solidFill>
+            <a:tailEnd type="triangle"/>
+          </a:ln>
+        </p:spPr>
+        <p:style>
+          <a:lnRef idx="1">
+            <a:schemeClr val="accent1"/>
+          </a:lnRef>
+          <a:fillRef idx="0">
+            <a:schemeClr val="accent1"/>
+          </a:fillRef>
+          <a:effectRef idx="0">
+            <a:schemeClr val="accent1"/>
+          </a:effectRef>
+          <a:fontRef idx="minor">
+            <a:schemeClr val="tx1"/>
+          </a:fontRef>
+        </p:style>
+      </p:cxnSp>
+    </p:spTree>
+    <p:extLst>
+      <p:ext uri="{BB962C8B-B14F-4D97-AF65-F5344CB8AC3E}">
+        <p14:creationId xmlns:p14="http://schemas.microsoft.com/office/powerpoint/2010/main" val="4162865420"/>
+      </p:ext>
+    </p:extLst>
+  </p:cSld>
+  <p:clrMapOvr>
+    <a:masterClrMapping/>
+  </p:clrMapOvr>
+  <p:timing>
+    <p:tnLst>
+      <p:par>
+        <p:cTn id="1" dur="indefinite" restart="never" nodeType="tmRoot">
+          <p:childTnLst>
+            <p:seq concurrent="1" nextAc="seek">
+              <p:cTn id="2" dur="indefinite" nodeType="mainSeq">
+                <p:childTnLst>
+                  <p:par>
+                    <p:cTn id="3" fill="hold">
+                      <p:stCondLst>
+                        <p:cond delay="indefinite"/>
+                      </p:stCondLst>
+                      <p:childTnLst>
+                        <p:par>
+                          <p:cTn id="4" fill="hold">
+                            <p:stCondLst>
+                              <p:cond delay="0"/>
+                            </p:stCondLst>
+                            <p:childTnLst>
+                              <p:par>
+                                <p:cTn id="5" presetID="10" presetClass="entr" presetSubtype="0" fill="hold" nodeType="clickEffect">
+                                  <p:stCondLst>
+                                    <p:cond delay="0"/>
+                                  </p:stCondLst>
+                                  <p:childTnLst>
+                                    <p:set>
+                                      <p:cBhvr>
+                                        <p:cTn id="6" dur="1" fill="hold">
+                                          <p:stCondLst>
+                                            <p:cond delay="0"/>
+                                          </p:stCondLst>
+                                        </p:cTn>
+                                        <p:tgtEl>
+                                          <p:spTgt spid="11"/>
+                                        </p:tgtEl>
+                                        <p:attrNameLst>
+                                          <p:attrName>style.visibility</p:attrName>
+                                        </p:attrNameLst>
+                                      </p:cBhvr>
+                                      <p:to>
+                                        <p:strVal val="visible"/>
+                                      </p:to>
+                                    </p:set>
+                                    <p:animEffect transition="in" filter="fade">
+                                      <p:cBhvr>
+                                        <p:cTn id="7" dur="500"/>
+                                        <p:tgtEl>
+                                          <p:spTgt spid="11"/>
+                                        </p:tgtEl>
+                                      </p:cBhvr>
+                                    </p:animEffect>
+                                  </p:childTnLst>
+                                </p:cTn>
+                              </p:par>
+                            </p:childTnLst>
+                          </p:cTn>
+                        </p:par>
+                      </p:childTnLst>
+                    </p:cTn>
+                  </p:par>
+                  <p:par>
+                    <p:cTn id="8" fill="hold">
+                      <p:stCondLst>
+                        <p:cond delay="indefinite"/>
+                      </p:stCondLst>
+                      <p:childTnLst>
+                        <p:par>
+                          <p:cTn id="9" fill="hold">
+                            <p:stCondLst>
+                              <p:cond delay="0"/>
+                            </p:stCondLst>
+                            <p:childTnLst>
+                              <p:par>
+                                <p:cTn id="10" presetID="10" presetClass="entr" presetSubtype="0" fill="hold" nodeType="clickEffect">
+                                  <p:stCondLst>
+                                    <p:cond delay="0"/>
+                                  </p:stCondLst>
+                                  <p:childTnLst>
+                                    <p:set>
+                                      <p:cBhvr>
+                                        <p:cTn id="11" dur="1" fill="hold">
+                                          <p:stCondLst>
+                                            <p:cond delay="0"/>
+                                          </p:stCondLst>
+                                        </p:cTn>
+                                        <p:tgtEl>
+                                          <p:spTgt spid="13"/>
+                                        </p:tgtEl>
+                                        <p:attrNameLst>
+                                          <p:attrName>style.visibility</p:attrName>
+                                        </p:attrNameLst>
+                                      </p:cBhvr>
+                                      <p:to>
+                                        <p:strVal val="visible"/>
+                                      </p:to>
+                                    </p:set>
+                                    <p:animEffect transition="in" filter="fade">
+                                      <p:cBhvr>
+                                        <p:cTn id="12" dur="500"/>
+                                        <p:tgtEl>
+                                          <p:spTgt spid="13"/>
+                                        </p:tgtEl>
+                                      </p:cBhvr>
+                                    </p:animEffect>
+                                  </p:childTnLst>
+                                </p:cTn>
+                              </p:par>
+                            </p:childTnLst>
+                          </p:cTn>
+                        </p:par>
+                      </p:childTnLst>
+                    </p:cTn>
+                  </p:par>
+                  <p:par>
+                    <p:cTn id="13" fill="hold">
+                      <p:stCondLst>
+                        <p:cond delay="indefinite"/>
+                      </p:stCondLst>
+                      <p:childTnLst>
+                        <p:par>
+                          <p:cTn id="14" fill="hold">
+                            <p:stCondLst>
+                              <p:cond delay="0"/>
+                            </p:stCondLst>
+                            <p:childTnLst>
+                              <p:par>
+                                <p:cTn id="15" presetID="10" presetClass="entr" presetSubtype="0" fill="hold" nodeType="clickEffect">
+                                  <p:stCondLst>
+                                    <p:cond delay="0"/>
+                                  </p:stCondLst>
+                                  <p:childTnLst>
+                                    <p:set>
+                                      <p:cBhvr>
+                                        <p:cTn id="16" dur="1" fill="hold">
+                                          <p:stCondLst>
+                                            <p:cond delay="0"/>
+                                          </p:stCondLst>
+                                        </p:cTn>
+                                        <p:tgtEl>
+                                          <p:spTgt spid="15"/>
+                                        </p:tgtEl>
+                                        <p:attrNameLst>
+                                          <p:attrName>style.visibility</p:attrName>
+                                        </p:attrNameLst>
+                                      </p:cBhvr>
+                                      <p:to>
+                                        <p:strVal val="visible"/>
+                                      </p:to>
+                                    </p:set>
+                                    <p:animEffect transition="in" filter="fade">
+                                      <p:cBhvr>
+                                        <p:cTn id="17" dur="500"/>
+                                        <p:tgtEl>
+                                          <p:spTgt spid="15"/>
+                                        </p:tgtEl>
+                                      </p:cBhvr>
+                                    </p:animEffect>
+                                  </p:childTnLst>
+                                </p:cTn>
+                              </p:par>
+                            </p:childTnLst>
+                          </p:cTn>
+                        </p:par>
+                      </p:childTnLst>
+                    </p:cTn>
+                  </p:par>
+                </p:childTnLst>
+              </p:cTn>
+              <p:prevCondLst>
+                <p:cond evt="onPrev" delay="0">
+                  <p:tgtEl>
+                    <p:sldTgt/>
+                  </p:tgtEl>
+                </p:cond>
+              </p:prevCondLst>
+              <p:nextCondLst>
+                <p:cond evt="onNext" delay="0">
+                  <p:tgtEl>
+                    <p:sldTgt/>
+                  </p:tgtEl>
+                </p:cond>
+              </p:nextCondLst>
+            </p:seq>
+          </p:childTnLst>
+        </p:cTn>
+      </p:par>
+    </p:tnLst>
+  </p:timing>
+</p:sld>
+</file>
+
+<file path=ppt/slides/slide11.xml><?xml version="1.0" encoding="utf-8"?>
+<p:sld xmlns:a="http://schemas.openxmlformats.org/drawingml/2006/main" xmlns:r="http://schemas.openxmlformats.org/officeDocument/2006/relationships" xmlns:p="http://schemas.openxmlformats.org/presentationml/2006/main">
+  <p:cSld>
+    <p:spTree>
+      <p:nvGrpSpPr>
+        <p:cNvPr id="1" name=""/>
+        <p:cNvGrpSpPr/>
+        <p:nvPr/>
+      </p:nvGrpSpPr>
+      <p:grpSpPr>
+        <a:xfrm>
+          <a:off x="0" y="0"/>
+          <a:ext cx="0" cy="0"/>
+          <a:chOff x="0" y="0"/>
+          <a:chExt cx="0" cy="0"/>
+        </a:xfrm>
+      </p:grpSpPr>
+      <p:sp>
+        <p:nvSpPr>
+          <p:cNvPr id="2" name="Title 1">
+            <a:extLst>
+              <a:ext uri="{FF2B5EF4-FFF2-40B4-BE49-F238E27FC236}">
+                <a16:creationId xmlns:a16="http://schemas.microsoft.com/office/drawing/2014/main" id="{585240D9-A0AB-4BA3-B4E1-E0B9921125BC}"/>
+              </a:ext>
+            </a:extLst>
+          </p:cNvPr>
+          <p:cNvSpPr>
+            <a:spLocks noGrp="1"/>
+          </p:cNvSpPr>
+          <p:nvPr>
+            <p:ph type="title"/>
+          </p:nvPr>
+        </p:nvSpPr>
+        <p:spPr>
+          <a:xfrm>
+            <a:off x="838200" y="161234"/>
+            <a:ext cx="10515600" cy="1039605"/>
+          </a:xfrm>
+        </p:spPr>
+        <p:txBody>
+          <a:bodyPr/>
+          <a:lstStyle/>
+          <a:p>
+            <a:r>
+              <a:rPr lang="en-US" dirty="0"/>
+              <a:t>Parametric and temporal variability</a:t>
+            </a:r>
+          </a:p>
+        </p:txBody>
+      </p:sp>
+      <p:pic>
+        <p:nvPicPr>
+          <p:cNvPr id="5" name="Picture 4">
+            <a:extLst>
+              <a:ext uri="{FF2B5EF4-FFF2-40B4-BE49-F238E27FC236}">
+                <a16:creationId xmlns:a16="http://schemas.microsoft.com/office/drawing/2014/main" id="{15B0A101-CA2D-4454-8C78-4522FB3728D7}"/>
+              </a:ext>
+            </a:extLst>
+          </p:cNvPr>
+          <p:cNvPicPr>
+            <a:picLocks noChangeAspect="1"/>
+          </p:cNvPicPr>
+          <p:nvPr/>
+        </p:nvPicPr>
+        <p:blipFill>
+          <a:blip r:embed="rId2">
+            <a:extLst>
+              <a:ext uri="{28A0092B-C50C-407E-A947-70E740481C1C}">
+                <a14:useLocalDpi xmlns:a14="http://schemas.microsoft.com/office/drawing/2010/main" val="0"/>
+              </a:ext>
+            </a:extLst>
+          </a:blip>
+          <a:stretch>
+            <a:fillRect/>
+          </a:stretch>
+        </p:blipFill>
+        <p:spPr>
+          <a:xfrm>
+            <a:off x="4903304" y="3720548"/>
+            <a:ext cx="2903038" cy="2672253"/>
+          </a:xfrm>
+          <a:prstGeom prst="rect">
+            <a:avLst/>
+          </a:prstGeom>
+        </p:spPr>
+      </p:pic>
+      <p:pic>
+        <p:nvPicPr>
+          <p:cNvPr id="7" name="Picture 6">
+            <a:extLst>
+              <a:ext uri="{FF2B5EF4-FFF2-40B4-BE49-F238E27FC236}">
+                <a16:creationId xmlns:a16="http://schemas.microsoft.com/office/drawing/2014/main" id="{FE366AFA-9829-4423-8ED4-18619B5C5CC2}"/>
+              </a:ext>
+            </a:extLst>
+          </p:cNvPr>
+          <p:cNvPicPr>
+            <a:picLocks noChangeAspect="1"/>
+          </p:cNvPicPr>
+          <p:nvPr/>
+        </p:nvPicPr>
+        <p:blipFill>
+          <a:blip r:embed="rId3">
+            <a:extLst>
+              <a:ext uri="{28A0092B-C50C-407E-A947-70E740481C1C}">
+                <a14:useLocalDpi xmlns:a14="http://schemas.microsoft.com/office/drawing/2010/main" val="0"/>
+              </a:ext>
+            </a:extLst>
+          </a:blip>
+          <a:stretch>
+            <a:fillRect/>
+          </a:stretch>
+        </p:blipFill>
+        <p:spPr>
+          <a:xfrm>
+            <a:off x="1438042" y="3720547"/>
+            <a:ext cx="2903039" cy="2672254"/>
+          </a:xfrm>
+          <a:prstGeom prst="rect">
+            <a:avLst/>
+          </a:prstGeom>
+        </p:spPr>
+      </p:pic>
+      <p:pic>
+        <p:nvPicPr>
+          <p:cNvPr id="9" name="Picture 8">
+            <a:extLst>
+              <a:ext uri="{FF2B5EF4-FFF2-40B4-BE49-F238E27FC236}">
+                <a16:creationId xmlns:a16="http://schemas.microsoft.com/office/drawing/2014/main" id="{0E9AF620-E73A-43F2-ACD5-EA4F18301619}"/>
+              </a:ext>
+            </a:extLst>
+          </p:cNvPr>
+          <p:cNvPicPr>
+            <a:picLocks noChangeAspect="1"/>
+          </p:cNvPicPr>
+          <p:nvPr/>
+        </p:nvPicPr>
+        <p:blipFill>
+          <a:blip r:embed="rId4">
+            <a:extLst>
+              <a:ext uri="{28A0092B-C50C-407E-A947-70E740481C1C}">
+                <a14:useLocalDpi xmlns:a14="http://schemas.microsoft.com/office/drawing/2010/main" val="0"/>
+              </a:ext>
+            </a:extLst>
+          </a:blip>
+          <a:stretch>
+            <a:fillRect/>
+          </a:stretch>
+        </p:blipFill>
+        <p:spPr>
+          <a:xfrm>
+            <a:off x="838200" y="1200839"/>
+            <a:ext cx="9135750" cy="2276793"/>
+          </a:xfrm>
+          <a:prstGeom prst="rect">
+            <a:avLst/>
+          </a:prstGeom>
+        </p:spPr>
+      </p:pic>
+      <p:cxnSp>
+        <p:nvCxnSpPr>
+          <p:cNvPr id="16" name="Straight Arrow Connector 15">
+            <a:extLst>
+              <a:ext uri="{FF2B5EF4-FFF2-40B4-BE49-F238E27FC236}">
+                <a16:creationId xmlns:a16="http://schemas.microsoft.com/office/drawing/2014/main" id="{8ED048E1-7348-4E73-9B9E-D70B9A051757}"/>
+              </a:ext>
+            </a:extLst>
+          </p:cNvPr>
+          <p:cNvCxnSpPr>
+            <a:cxnSpLocks/>
+          </p:cNvCxnSpPr>
+          <p:nvPr/>
+        </p:nvCxnSpPr>
+        <p:spPr>
+          <a:xfrm>
+            <a:off x="3816626" y="2941983"/>
+            <a:ext cx="2067339" cy="1446623"/>
+          </a:xfrm>
+          <a:prstGeom prst="straightConnector1">
+            <a:avLst/>
+          </a:prstGeom>
+          <a:ln w="25400">
+            <a:solidFill>
+              <a:schemeClr val="tx1"/>
+            </a:solidFill>
+            <a:tailEnd type="arrow" w="lg" len="lg"/>
+          </a:ln>
+        </p:spPr>
+        <p:style>
+          <a:lnRef idx="1">
+            <a:schemeClr val="accent1"/>
+          </a:lnRef>
+          <a:fillRef idx="0">
+            <a:schemeClr val="accent1"/>
+          </a:fillRef>
+          <a:effectRef idx="0">
+            <a:schemeClr val="accent1"/>
+          </a:effectRef>
+          <a:fontRef idx="minor">
+            <a:schemeClr val="tx1"/>
+          </a:fontRef>
+        </p:style>
+      </p:cxnSp>
+      <p:cxnSp>
+        <p:nvCxnSpPr>
+          <p:cNvPr id="20" name="Straight Arrow Connector 19">
+            <a:extLst>
+              <a:ext uri="{FF2B5EF4-FFF2-40B4-BE49-F238E27FC236}">
+                <a16:creationId xmlns:a16="http://schemas.microsoft.com/office/drawing/2014/main" id="{A430BF69-363C-4147-83E4-C64ED9E40DED}"/>
+              </a:ext>
+            </a:extLst>
+          </p:cNvPr>
+          <p:cNvCxnSpPr/>
+          <p:nvPr/>
+        </p:nvCxnSpPr>
+        <p:spPr>
+          <a:xfrm flipV="1">
+            <a:off x="6718852" y="2941983"/>
+            <a:ext cx="821635" cy="1871775"/>
+          </a:xfrm>
+          <a:prstGeom prst="straightConnector1">
+            <a:avLst/>
+          </a:prstGeom>
+          <a:ln>
+            <a:solidFill>
+              <a:schemeClr val="tx1"/>
+            </a:solidFill>
+            <a:tailEnd type="triangle"/>
+          </a:ln>
+        </p:spPr>
+        <p:style>
+          <a:lnRef idx="1">
+            <a:schemeClr val="accent1"/>
+          </a:lnRef>
+          <a:fillRef idx="0">
+            <a:schemeClr val="accent1"/>
+          </a:fillRef>
+          <a:effectRef idx="0">
+            <a:schemeClr val="accent1"/>
+          </a:effectRef>
+          <a:fontRef idx="minor">
+            <a:schemeClr val="tx1"/>
+          </a:fontRef>
+        </p:style>
+      </p:cxnSp>
+      <p:cxnSp>
+        <p:nvCxnSpPr>
+          <p:cNvPr id="22" name="Straight Arrow Connector 21">
+            <a:extLst>
+              <a:ext uri="{FF2B5EF4-FFF2-40B4-BE49-F238E27FC236}">
+                <a16:creationId xmlns:a16="http://schemas.microsoft.com/office/drawing/2014/main" id="{CA8FF071-327F-4618-A0E2-00DA880565D2}"/>
+              </a:ext>
+            </a:extLst>
+          </p:cNvPr>
+          <p:cNvCxnSpPr/>
+          <p:nvPr/>
+        </p:nvCxnSpPr>
+        <p:spPr>
+          <a:xfrm flipV="1">
+            <a:off x="6626087" y="2941983"/>
+            <a:ext cx="1524000" cy="1590260"/>
+          </a:xfrm>
+          <a:prstGeom prst="straightConnector1">
+            <a:avLst/>
+          </a:prstGeom>
+          <a:ln>
+            <a:solidFill>
+              <a:schemeClr val="tx1"/>
+            </a:solidFill>
+            <a:tailEnd type="triangle"/>
+          </a:ln>
+        </p:spPr>
+        <p:style>
+          <a:lnRef idx="1">
+            <a:schemeClr val="accent1"/>
+          </a:lnRef>
+          <a:fillRef idx="0">
+            <a:schemeClr val="accent1"/>
+          </a:fillRef>
+          <a:effectRef idx="0">
+            <a:schemeClr val="accent1"/>
+          </a:effectRef>
+          <a:fontRef idx="minor">
+            <a:schemeClr val="tx1"/>
+          </a:fontRef>
+        </p:style>
+      </p:cxnSp>
+    </p:spTree>
+    <p:extLst>
+      <p:ext uri="{BB962C8B-B14F-4D97-AF65-F5344CB8AC3E}">
+        <p14:creationId xmlns:p14="http://schemas.microsoft.com/office/powerpoint/2010/main" val="2707406048"/>
+      </p:ext>
+    </p:extLst>
+  </p:cSld>
+  <p:clrMapOvr>
+    <a:masterClrMapping/>
+  </p:clrMapOvr>
+  <p:timing>
+    <p:tnLst>
+      <p:par>
+        <p:cTn id="1" dur="indefinite" restart="never" nodeType="tmRoot">
+          <p:childTnLst>
+            <p:seq concurrent="1" nextAc="seek">
+              <p:cTn id="2" dur="indefinite" nodeType="mainSeq">
+                <p:childTnLst>
+                  <p:par>
+                    <p:cTn id="3" fill="hold">
+                      <p:stCondLst>
+                        <p:cond delay="indefinite"/>
+                      </p:stCondLst>
+                      <p:childTnLst>
+                        <p:par>
+                          <p:cTn id="4" fill="hold">
+                            <p:stCondLst>
+                              <p:cond delay="0"/>
+                            </p:stCondLst>
+                            <p:childTnLst>
+                              <p:par>
+                                <p:cTn id="5" presetID="10" presetClass="entr" presetSubtype="0" fill="hold" nodeType="clickEffect">
+                                  <p:stCondLst>
+                                    <p:cond delay="0"/>
+                                  </p:stCondLst>
+                                  <p:childTnLst>
+                                    <p:set>
+                                      <p:cBhvr>
+                                        <p:cTn id="6" dur="1" fill="hold">
+                                          <p:stCondLst>
+                                            <p:cond delay="0"/>
+                                          </p:stCondLst>
+                                        </p:cTn>
+                                        <p:tgtEl>
+                                          <p:spTgt spid="16"/>
+                                        </p:tgtEl>
+                                        <p:attrNameLst>
+                                          <p:attrName>style.visibility</p:attrName>
+                                        </p:attrNameLst>
+                                      </p:cBhvr>
+                                      <p:to>
+                                        <p:strVal val="visible"/>
+                                      </p:to>
+                                    </p:set>
+                                    <p:animEffect transition="in" filter="fade">
+                                      <p:cBhvr>
+                                        <p:cTn id="7" dur="500"/>
+                                        <p:tgtEl>
+                                          <p:spTgt spid="16"/>
+                                        </p:tgtEl>
+                                      </p:cBhvr>
+                                    </p:animEffect>
+                                  </p:childTnLst>
+                                </p:cTn>
+                              </p:par>
+                            </p:childTnLst>
+                          </p:cTn>
+                        </p:par>
+                      </p:childTnLst>
+                    </p:cTn>
+                  </p:par>
+                  <p:par>
+                    <p:cTn id="8" fill="hold">
+                      <p:stCondLst>
+                        <p:cond delay="indefinite"/>
+                      </p:stCondLst>
+                      <p:childTnLst>
+                        <p:par>
+                          <p:cTn id="9" fill="hold">
+                            <p:stCondLst>
+                              <p:cond delay="0"/>
+                            </p:stCondLst>
+                            <p:childTnLst>
+                              <p:par>
+                                <p:cTn id="10" presetID="10" presetClass="entr" presetSubtype="0" fill="hold" nodeType="clickEffect">
+                                  <p:stCondLst>
+                                    <p:cond delay="0"/>
+                                  </p:stCondLst>
+                                  <p:childTnLst>
+                                    <p:set>
+                                      <p:cBhvr>
+                                        <p:cTn id="11" dur="1" fill="hold">
+                                          <p:stCondLst>
+                                            <p:cond delay="0"/>
+                                          </p:stCondLst>
+                                        </p:cTn>
+                                        <p:tgtEl>
+                                          <p:spTgt spid="20"/>
+                                        </p:tgtEl>
+                                        <p:attrNameLst>
+                                          <p:attrName>style.visibility</p:attrName>
+                                        </p:attrNameLst>
+                                      </p:cBhvr>
+                                      <p:to>
+                                        <p:strVal val="visible"/>
+                                      </p:to>
+                                    </p:set>
+                                    <p:animEffect transition="in" filter="fade">
+                                      <p:cBhvr>
+                                        <p:cTn id="12" dur="500"/>
+                                        <p:tgtEl>
+                                          <p:spTgt spid="20"/>
+                                        </p:tgtEl>
+                                      </p:cBhvr>
+                                    </p:animEffect>
+                                  </p:childTnLst>
+                                </p:cTn>
+                              </p:par>
+                            </p:childTnLst>
+                          </p:cTn>
+                        </p:par>
+                      </p:childTnLst>
+                    </p:cTn>
+                  </p:par>
+                  <p:par>
+                    <p:cTn id="13" fill="hold">
+                      <p:stCondLst>
+                        <p:cond delay="indefinite"/>
+                      </p:stCondLst>
+                      <p:childTnLst>
+                        <p:par>
+                          <p:cTn id="14" fill="hold">
+                            <p:stCondLst>
+                              <p:cond delay="0"/>
+                            </p:stCondLst>
+                            <p:childTnLst>
+                              <p:par>
+                                <p:cTn id="15" presetID="10" presetClass="entr" presetSubtype="0" fill="hold" nodeType="clickEffect">
+                                  <p:stCondLst>
+                                    <p:cond delay="0"/>
+                                  </p:stCondLst>
+                                  <p:childTnLst>
+                                    <p:set>
+                                      <p:cBhvr>
+                                        <p:cTn id="16" dur="1" fill="hold">
+                                          <p:stCondLst>
+                                            <p:cond delay="0"/>
+                                          </p:stCondLst>
+                                        </p:cTn>
+                                        <p:tgtEl>
+                                          <p:spTgt spid="22"/>
+                                        </p:tgtEl>
+                                        <p:attrNameLst>
+                                          <p:attrName>style.visibility</p:attrName>
+                                        </p:attrNameLst>
+                                      </p:cBhvr>
+                                      <p:to>
+                                        <p:strVal val="visible"/>
+                                      </p:to>
+                                    </p:set>
+                                    <p:animEffect transition="in" filter="fade">
+                                      <p:cBhvr>
+                                        <p:cTn id="17" dur="500"/>
+                                        <p:tgtEl>
+                                          <p:spTgt spid="22"/>
+                                        </p:tgtEl>
+                                      </p:cBhvr>
+                                    </p:animEffect>
+                                  </p:childTnLst>
+                                </p:cTn>
+                              </p:par>
+                            </p:childTnLst>
+                          </p:cTn>
+                        </p:par>
+                      </p:childTnLst>
+                    </p:cTn>
+                  </p:par>
+                </p:childTnLst>
+              </p:cTn>
+              <p:prevCondLst>
+                <p:cond evt="onPrev" delay="0">
+                  <p:tgtEl>
+                    <p:sldTgt/>
+                  </p:tgtEl>
+                </p:cond>
+              </p:prevCondLst>
+              <p:nextCondLst>
+                <p:cond evt="onNext" delay="0">
+                  <p:tgtEl>
+                    <p:sldTgt/>
+                  </p:tgtEl>
+                </p:cond>
+              </p:nextCondLst>
+            </p:seq>
+          </p:childTnLst>
+        </p:cTn>
+      </p:par>
+    </p:tnLst>
+  </p:timing>
+</p:sld>
+</file>
+
+<file path=ppt/slides/slide12.xml><?xml version="1.0" encoding="utf-8"?>
+<p:sld xmlns:a="http://schemas.openxmlformats.org/drawingml/2006/main" xmlns:r="http://schemas.openxmlformats.org/officeDocument/2006/relationships" xmlns:p="http://schemas.openxmlformats.org/presentationml/2006/main">
+  <p:cSld>
+    <p:spTree>
+      <p:nvGrpSpPr>
+        <p:cNvPr id="1" name="Shape 133"/>
+        <p:cNvGrpSpPr/>
+        <p:nvPr/>
+      </p:nvGrpSpPr>
+      <p:grpSpPr>
+        <a:xfrm>
+          <a:off x="0" y="0"/>
+          <a:ext cx="0" cy="0"/>
+          <a:chOff x="0" y="0"/>
+          <a:chExt cx="0" cy="0"/>
+        </a:xfrm>
+      </p:grpSpPr>
+      <p:sp>
+        <p:nvSpPr>
+          <p:cNvPr id="134" name="Google Shape;134;p21"/>
+          <p:cNvSpPr txBox="1">
+            <a:spLocks noGrp="1"/>
+          </p:cNvSpPr>
+          <p:nvPr>
+            <p:ph type="title"/>
+          </p:nvPr>
+        </p:nvSpPr>
+        <p:spPr>
+          <a:xfrm>
+            <a:off x="838200" y="365125"/>
+            <a:ext cx="10515600" cy="1325563"/>
+          </a:xfrm>
+          <a:prstGeom prst="rect">
+            <a:avLst/>
+          </a:prstGeom>
+          <a:noFill/>
+          <a:ln>
+            <a:noFill/>
+          </a:ln>
+        </p:spPr>
+        <p:txBody>
+          <a:bodyPr spcFirstLastPara="1" wrap="square" lIns="91425" tIns="45700" rIns="91425" bIns="45700" anchor="ctr" anchorCtr="0">
+            <a:noAutofit/>
+          </a:bodyPr>
+          <a:lstStyle/>
+          <a:p>
+            <a:pPr marL="0" marR="0" lvl="0" indent="0" algn="l" rtl="0">
+              <a:lnSpc>
+                <a:spcPct val="90000"/>
+              </a:lnSpc>
+              <a:spcBef>
+                <a:spcPts val="0"/>
+              </a:spcBef>
+              <a:spcAft>
+                <a:spcPts val="0"/>
+              </a:spcAft>
+              <a:buClr>
+                <a:schemeClr val="dk1"/>
+              </a:buClr>
+              <a:buSzPts val="4400"/>
+              <a:buFont typeface="Calibri"/>
+              <a:buNone/>
+            </a:pPr>
+            <a:r>
+              <a:rPr lang="en-US" sz="4400" b="0" i="0" u="none" strike="noStrike" cap="none">
+                <a:solidFill>
+                  <a:schemeClr val="dk1"/>
+                </a:solidFill>
+                <a:latin typeface="Calibri"/>
+                <a:ea typeface="Calibri"/>
+                <a:cs typeface="Calibri"/>
+                <a:sym typeface="Calibri"/>
+              </a:rPr>
+              <a:t>Projection models for today</a:t>
+            </a:r>
+            <a:endParaRPr sz="4400" b="0" i="0" u="none" strike="noStrike" cap="none">
+              <a:solidFill>
+                <a:schemeClr val="dk1"/>
+              </a:solidFill>
+              <a:latin typeface="Calibri"/>
+              <a:ea typeface="Calibri"/>
+              <a:cs typeface="Calibri"/>
+              <a:sym typeface="Calibri"/>
+            </a:endParaRPr>
+          </a:p>
+        </p:txBody>
+      </p:sp>
+      <p:sp>
+        <p:nvSpPr>
+          <p:cNvPr id="135" name="Google Shape;135;p21"/>
+          <p:cNvSpPr txBox="1">
+            <a:spLocks noGrp="1"/>
+          </p:cNvSpPr>
+          <p:nvPr>
+            <p:ph type="body" idx="1"/>
+          </p:nvPr>
+        </p:nvSpPr>
+        <p:spPr>
+          <a:xfrm>
+            <a:off x="838200" y="1825625"/>
+            <a:ext cx="10515600" cy="4351338"/>
+          </a:xfrm>
+          <a:prstGeom prst="rect">
+            <a:avLst/>
+          </a:prstGeom>
+          <a:noFill/>
+          <a:ln>
+            <a:noFill/>
+          </a:ln>
+        </p:spPr>
+        <p:txBody>
+          <a:bodyPr spcFirstLastPara="1" wrap="square" lIns="91425" tIns="45700" rIns="91425" bIns="45700" anchor="t" anchorCtr="0">
+            <a:noAutofit/>
+          </a:bodyPr>
+          <a:lstStyle/>
+          <a:p>
+            <a:pPr marL="228600" marR="0" lvl="0" indent="-228600" algn="l" rtl="0">
+              <a:lnSpc>
+                <a:spcPct val="80000"/>
+              </a:lnSpc>
+              <a:spcBef>
+                <a:spcPts val="0"/>
+              </a:spcBef>
+              <a:spcAft>
+                <a:spcPts val="0"/>
+              </a:spcAft>
+              <a:buClr>
+                <a:schemeClr val="dk1"/>
+              </a:buClr>
+              <a:buSzPts val="2800"/>
+              <a:buFont typeface="Arial"/>
+              <a:buChar char="•"/>
+            </a:pPr>
+            <a:r>
+              <a:rPr lang="en-US" sz="2800" b="0" i="0" u="none" strike="noStrike" cap="none" dirty="0">
+                <a:solidFill>
+                  <a:schemeClr val="dk1"/>
+                </a:solidFill>
+                <a:latin typeface="Calibri"/>
+                <a:ea typeface="Calibri"/>
+                <a:cs typeface="Calibri"/>
+                <a:sym typeface="Calibri"/>
+              </a:rPr>
+              <a:t>Occupancy / site persistence models</a:t>
+            </a:r>
+            <a:endParaRPr dirty="0"/>
+          </a:p>
+          <a:p>
+            <a:pPr marL="228600" marR="0" lvl="0" indent="-228600" algn="l" rtl="0">
+              <a:lnSpc>
+                <a:spcPct val="80000"/>
+              </a:lnSpc>
+              <a:spcBef>
+                <a:spcPts val="1000"/>
+              </a:spcBef>
+              <a:spcAft>
+                <a:spcPts val="0"/>
+              </a:spcAft>
+              <a:buClr>
+                <a:schemeClr val="dk1"/>
+              </a:buClr>
+              <a:buSzPts val="2800"/>
+              <a:buFont typeface="Arial"/>
+              <a:buChar char="•"/>
+            </a:pPr>
+            <a:r>
+              <a:rPr lang="en-US" sz="2800" b="0" i="0" u="none" strike="noStrike" cap="none" dirty="0">
+                <a:solidFill>
+                  <a:schemeClr val="dk1"/>
+                </a:solidFill>
+                <a:latin typeface="Calibri"/>
+                <a:ea typeface="Calibri"/>
+                <a:cs typeface="Calibri"/>
+                <a:sym typeface="Calibri"/>
+              </a:rPr>
+              <a:t>Multi-state occupancy models</a:t>
+            </a:r>
+            <a:endParaRPr dirty="0"/>
+          </a:p>
+          <a:p>
+            <a:pPr marL="228600" marR="0" lvl="0" indent="-228600" algn="l" rtl="0">
+              <a:lnSpc>
+                <a:spcPct val="80000"/>
+              </a:lnSpc>
+              <a:spcBef>
+                <a:spcPts val="1000"/>
+              </a:spcBef>
+              <a:spcAft>
+                <a:spcPts val="0"/>
+              </a:spcAft>
+              <a:buClr>
+                <a:schemeClr val="dk1"/>
+              </a:buClr>
+              <a:buSzPts val="2800"/>
+              <a:buFont typeface="Arial"/>
+              <a:buChar char="•"/>
+            </a:pPr>
+            <a:r>
+              <a:rPr lang="en-US" sz="2800" b="0" i="0" u="none" strike="noStrike" cap="none" dirty="0" err="1">
+                <a:solidFill>
+                  <a:schemeClr val="dk1"/>
+                </a:solidFill>
+                <a:latin typeface="Calibri"/>
+                <a:ea typeface="Calibri"/>
+                <a:cs typeface="Calibri"/>
+                <a:sym typeface="Calibri"/>
+              </a:rPr>
+              <a:t>λ</a:t>
+            </a:r>
+            <a:r>
+              <a:rPr lang="en-US" sz="2800" b="0" i="0" u="none" strike="noStrike" cap="none" dirty="0">
+                <a:solidFill>
+                  <a:schemeClr val="dk1"/>
+                </a:solidFill>
+                <a:latin typeface="Calibri"/>
+                <a:ea typeface="Calibri"/>
+                <a:cs typeface="Calibri"/>
+                <a:sym typeface="Calibri"/>
+              </a:rPr>
+              <a:t> growth models and Poisson projection models</a:t>
+            </a:r>
+            <a:endParaRPr dirty="0"/>
+          </a:p>
+          <a:p>
+            <a:pPr marL="228600" marR="0" lvl="0" indent="-228600" algn="l" rtl="0">
+              <a:lnSpc>
+                <a:spcPct val="80000"/>
+              </a:lnSpc>
+              <a:spcBef>
+                <a:spcPts val="1000"/>
+              </a:spcBef>
+              <a:spcAft>
+                <a:spcPts val="0"/>
+              </a:spcAft>
+              <a:buClr>
+                <a:schemeClr val="dk1"/>
+              </a:buClr>
+              <a:buSzPts val="2800"/>
+              <a:buFont typeface="Arial"/>
+              <a:buChar char="•"/>
+            </a:pPr>
+            <a:r>
+              <a:rPr lang="en-US" sz="2800" b="0" i="0" u="none" strike="noStrike" cap="none" dirty="0">
+                <a:solidFill>
+                  <a:schemeClr val="dk1"/>
+                </a:solidFill>
+                <a:latin typeface="Calibri"/>
+                <a:ea typeface="Calibri"/>
+                <a:cs typeface="Calibri"/>
+                <a:sym typeface="Calibri"/>
+              </a:rPr>
+              <a:t>Demographic/matrix projection models</a:t>
+            </a:r>
+            <a:endParaRPr dirty="0"/>
+          </a:p>
+          <a:p>
+            <a:pPr marL="228600" marR="0" lvl="0" indent="-50800" algn="l" rtl="0">
+              <a:lnSpc>
+                <a:spcPct val="80000"/>
+              </a:lnSpc>
+              <a:spcBef>
+                <a:spcPts val="1000"/>
+              </a:spcBef>
+              <a:spcAft>
+                <a:spcPts val="0"/>
+              </a:spcAft>
+              <a:buClr>
+                <a:schemeClr val="dk1"/>
+              </a:buClr>
+              <a:buSzPts val="2800"/>
+              <a:buFont typeface="Arial"/>
+              <a:buNone/>
+            </a:pPr>
+            <a:endParaRPr sz="2800" b="0" i="0" u="none" strike="noStrike" cap="none" dirty="0">
+              <a:solidFill>
+                <a:schemeClr val="dk1"/>
+              </a:solidFill>
+              <a:latin typeface="Calibri"/>
+              <a:ea typeface="Calibri"/>
+              <a:cs typeface="Calibri"/>
+              <a:sym typeface="Calibri"/>
+            </a:endParaRPr>
+          </a:p>
+          <a:p>
+            <a:pPr marL="228600" marR="0" lvl="0" indent="-228600" algn="l" rtl="0">
+              <a:lnSpc>
+                <a:spcPct val="80000"/>
+              </a:lnSpc>
+              <a:spcBef>
+                <a:spcPts val="1000"/>
+              </a:spcBef>
+              <a:spcAft>
+                <a:spcPts val="0"/>
+              </a:spcAft>
+              <a:buClr>
+                <a:schemeClr val="dk1"/>
+              </a:buClr>
+              <a:buSzPts val="2800"/>
+              <a:buFont typeface="Arial"/>
+              <a:buChar char="•"/>
+            </a:pPr>
+            <a:r>
+              <a:rPr lang="en-US" sz="2800" b="0" i="0" u="none" strike="noStrike" cap="none" dirty="0">
+                <a:solidFill>
+                  <a:schemeClr val="dk1"/>
+                </a:solidFill>
+                <a:latin typeface="Calibri"/>
+                <a:ea typeface="Calibri"/>
+                <a:cs typeface="Calibri"/>
+                <a:sym typeface="Calibri"/>
+              </a:rPr>
+              <a:t>Key issues</a:t>
+            </a:r>
+            <a:endParaRPr dirty="0"/>
+          </a:p>
+          <a:p>
+            <a:pPr marL="685800" marR="0" lvl="1" indent="-228600" algn="l" rtl="0">
+              <a:lnSpc>
+                <a:spcPct val="80000"/>
+              </a:lnSpc>
+              <a:spcBef>
+                <a:spcPts val="500"/>
+              </a:spcBef>
+              <a:spcAft>
+                <a:spcPts val="0"/>
+              </a:spcAft>
+              <a:buClr>
+                <a:schemeClr val="dk1"/>
+              </a:buClr>
+              <a:buSzPts val="2400"/>
+              <a:buFont typeface="Arial"/>
+              <a:buChar char="•"/>
+            </a:pPr>
+            <a:r>
+              <a:rPr lang="en-US" sz="2400" b="0" i="0" u="none" strike="noStrike" cap="none" dirty="0">
+                <a:solidFill>
+                  <a:schemeClr val="dk1"/>
+                </a:solidFill>
+                <a:latin typeface="Calibri"/>
+                <a:ea typeface="Calibri"/>
+                <a:cs typeface="Calibri"/>
+                <a:sym typeface="Calibri"/>
+              </a:rPr>
+              <a:t>Conceptual → quantitative</a:t>
+            </a:r>
+            <a:endParaRPr dirty="0"/>
+          </a:p>
+          <a:p>
+            <a:pPr marL="685800" marR="0" lvl="1" indent="-228600" algn="l" rtl="0">
+              <a:lnSpc>
+                <a:spcPct val="80000"/>
+              </a:lnSpc>
+              <a:spcBef>
+                <a:spcPts val="500"/>
+              </a:spcBef>
+              <a:spcAft>
+                <a:spcPts val="0"/>
+              </a:spcAft>
+              <a:buClr>
+                <a:schemeClr val="dk1"/>
+              </a:buClr>
+              <a:buSzPts val="2400"/>
+              <a:buFont typeface="Arial"/>
+              <a:buChar char="•"/>
+            </a:pPr>
+            <a:r>
+              <a:rPr lang="en-US" sz="2400" b="0" i="0" u="none" strike="noStrike" cap="none" dirty="0">
+                <a:solidFill>
+                  <a:schemeClr val="dk1"/>
+                </a:solidFill>
+                <a:latin typeface="Calibri"/>
+                <a:ea typeface="Calibri"/>
+                <a:cs typeface="Calibri"/>
+                <a:sym typeface="Calibri"/>
+              </a:rPr>
+              <a:t>Linking population parameters to environmental variables</a:t>
+            </a:r>
+            <a:endParaRPr dirty="0"/>
+          </a:p>
+          <a:p>
+            <a:pPr marL="685800" marR="0" lvl="1" indent="-228600" algn="l" rtl="0">
+              <a:lnSpc>
+                <a:spcPct val="80000"/>
+              </a:lnSpc>
+              <a:spcBef>
+                <a:spcPts val="500"/>
+              </a:spcBef>
+              <a:spcAft>
+                <a:spcPts val="0"/>
+              </a:spcAft>
+              <a:buClr>
+                <a:schemeClr val="dk1"/>
+              </a:buClr>
+              <a:buSzPts val="2400"/>
+              <a:buFont typeface="Arial"/>
+              <a:buChar char="•"/>
+            </a:pPr>
+            <a:r>
+              <a:rPr lang="en-US" sz="2400" b="0" i="0" u="none" strike="noStrike" cap="none" dirty="0">
+                <a:solidFill>
+                  <a:schemeClr val="dk1"/>
+                </a:solidFill>
+                <a:latin typeface="Calibri"/>
+                <a:ea typeface="Calibri"/>
+                <a:cs typeface="Calibri"/>
+                <a:sym typeface="Calibri"/>
+              </a:rPr>
+              <a:t>Environmental stochasticity and parametric uncertainty</a:t>
+            </a:r>
+            <a:endParaRPr dirty="0"/>
+          </a:p>
+          <a:p>
+            <a:pPr marL="685800" marR="0" lvl="1" indent="-228600" algn="l" rtl="0">
+              <a:lnSpc>
+                <a:spcPct val="80000"/>
+              </a:lnSpc>
+              <a:spcBef>
+                <a:spcPts val="500"/>
+              </a:spcBef>
+              <a:spcAft>
+                <a:spcPts val="0"/>
+              </a:spcAft>
+              <a:buClr>
+                <a:schemeClr val="dk1"/>
+              </a:buClr>
+              <a:buSzPts val="2400"/>
+              <a:buFont typeface="Arial"/>
+              <a:buChar char="•"/>
+            </a:pPr>
+            <a:r>
+              <a:rPr lang="en-US" sz="2400" b="0" i="0" u="none" strike="noStrike" cap="none" dirty="0">
+                <a:solidFill>
+                  <a:schemeClr val="dk1"/>
+                </a:solidFill>
+                <a:latin typeface="Calibri"/>
+                <a:ea typeface="Calibri"/>
+                <a:cs typeface="Calibri"/>
+                <a:sym typeface="Calibri"/>
+              </a:rPr>
+              <a:t>Sensitivity analyses </a:t>
+            </a:r>
+            <a:endParaRPr sz="2400" b="0" i="0" u="none" strike="noStrike" cap="none" dirty="0">
+              <a:solidFill>
+                <a:schemeClr val="dk1"/>
+              </a:solidFill>
+              <a:latin typeface="Calibri"/>
+              <a:ea typeface="Calibri"/>
+              <a:cs typeface="Calibri"/>
+              <a:sym typeface="Calibri"/>
+            </a:endParaRPr>
+          </a:p>
+        </p:txBody>
+      </p:sp>
+    </p:spTree>
+    <p:extLst>
+      <p:ext uri="{BB962C8B-B14F-4D97-AF65-F5344CB8AC3E}">
+        <p14:creationId xmlns:p14="http://schemas.microsoft.com/office/powerpoint/2010/main" val="4254398904"/>
+      </p:ext>
+    </p:extLst>
+  </p:cSld>
+  <p:clrMapOvr>
+    <a:masterClrMapping/>
+  </p:clrMapOvr>
+</p:sld>
+</file>
+
+<file path=ppt/slides/slide13.xml><?xml version="1.0" encoding="utf-8"?>
+<p:sld xmlns:a="http://schemas.openxmlformats.org/drawingml/2006/main" xmlns:r="http://schemas.openxmlformats.org/officeDocument/2006/relationships" xmlns:p="http://schemas.openxmlformats.org/presentationml/2006/main">
+  <p:cSld>
+    <p:spTree>
+      <p:nvGrpSpPr>
+        <p:cNvPr id="1" name="Shape 139"/>
+        <p:cNvGrpSpPr/>
+        <p:nvPr/>
+      </p:nvGrpSpPr>
+      <p:grpSpPr>
+        <a:xfrm>
+          <a:off x="0" y="0"/>
+          <a:ext cx="0" cy="0"/>
+          <a:chOff x="0" y="0"/>
+          <a:chExt cx="0" cy="0"/>
+        </a:xfrm>
+      </p:grpSpPr>
+      <p:sp>
+        <p:nvSpPr>
+          <p:cNvPr id="140" name="Google Shape;140;p22"/>
+          <p:cNvSpPr txBox="1">
+            <a:spLocks noGrp="1"/>
+          </p:cNvSpPr>
+          <p:nvPr>
+            <p:ph type="title"/>
+          </p:nvPr>
+        </p:nvSpPr>
+        <p:spPr>
+          <a:xfrm>
+            <a:off x="838200" y="365125"/>
+            <a:ext cx="10515600" cy="1325563"/>
+          </a:xfrm>
+          <a:prstGeom prst="rect">
+            <a:avLst/>
+          </a:prstGeom>
+          <a:noFill/>
+          <a:ln>
+            <a:noFill/>
+          </a:ln>
+        </p:spPr>
+        <p:txBody>
+          <a:bodyPr spcFirstLastPara="1" wrap="square" lIns="91425" tIns="45700" rIns="91425" bIns="45700" anchor="ctr" anchorCtr="0">
+            <a:noAutofit/>
+          </a:bodyPr>
+          <a:lstStyle/>
+          <a:p>
+            <a:pPr marL="0" marR="0" lvl="0" indent="0" algn="l" rtl="0">
+              <a:lnSpc>
+                <a:spcPct val="90000"/>
+              </a:lnSpc>
+              <a:spcBef>
+                <a:spcPts val="0"/>
+              </a:spcBef>
+              <a:spcAft>
+                <a:spcPts val="0"/>
+              </a:spcAft>
+              <a:buClr>
+                <a:schemeClr val="dk1"/>
+              </a:buClr>
+              <a:buSzPts val="4400"/>
+              <a:buFont typeface="Calibri"/>
+              <a:buNone/>
+            </a:pPr>
+            <a:r>
+              <a:rPr lang="en-US" sz="4400" b="0" i="0" u="none" strike="noStrike" cap="none">
+                <a:solidFill>
+                  <a:schemeClr val="dk1"/>
+                </a:solidFill>
+                <a:latin typeface="Calibri"/>
+                <a:ea typeface="Calibri"/>
+                <a:cs typeface="Calibri"/>
+                <a:sym typeface="Calibri"/>
+              </a:rPr>
+              <a:t>Questions?</a:t>
+            </a:r>
+            <a:endParaRPr sz="4400" b="0" i="0" u="none" strike="noStrike" cap="none">
+              <a:solidFill>
+                <a:schemeClr val="dk1"/>
+              </a:solidFill>
+              <a:latin typeface="Calibri"/>
+              <a:ea typeface="Calibri"/>
+              <a:cs typeface="Calibri"/>
+              <a:sym typeface="Calibri"/>
+            </a:endParaRPr>
+          </a:p>
+        </p:txBody>
+      </p:sp>
+      <p:sp>
+        <p:nvSpPr>
+          <p:cNvPr id="141" name="Google Shape;141;p22"/>
+          <p:cNvSpPr txBox="1">
+            <a:spLocks noGrp="1"/>
+          </p:cNvSpPr>
+          <p:nvPr>
+            <p:ph type="body" idx="1"/>
+          </p:nvPr>
+        </p:nvSpPr>
+        <p:spPr>
+          <a:xfrm>
+            <a:off x="838200" y="1825625"/>
+            <a:ext cx="10515600" cy="4351338"/>
+          </a:xfrm>
+          <a:prstGeom prst="rect">
+            <a:avLst/>
+          </a:prstGeom>
+          <a:noFill/>
+          <a:ln>
+            <a:noFill/>
+          </a:ln>
+        </p:spPr>
+        <p:txBody>
+          <a:bodyPr spcFirstLastPara="1" wrap="square" lIns="91425" tIns="45700" rIns="91425" bIns="45700" anchor="t" anchorCtr="0">
+            <a:noAutofit/>
+          </a:bodyPr>
+          <a:lstStyle/>
+          <a:p>
+            <a:pPr marL="228600" marR="0" lvl="0" indent="-50800" algn="l" rtl="0">
+              <a:lnSpc>
+                <a:spcPct val="90000"/>
+              </a:lnSpc>
+              <a:spcBef>
+                <a:spcPts val="0"/>
+              </a:spcBef>
+              <a:spcAft>
+                <a:spcPts val="0"/>
+              </a:spcAft>
+              <a:buClr>
+                <a:schemeClr val="dk1"/>
+              </a:buClr>
+              <a:buSzPts val="2800"/>
+              <a:buFont typeface="Arial"/>
+              <a:buNone/>
+            </a:pPr>
+            <a:endParaRPr sz="2800" b="0" i="0" u="none" strike="noStrike" cap="none">
+              <a:solidFill>
+                <a:schemeClr val="dk1"/>
+              </a:solidFill>
+              <a:latin typeface="Calibri"/>
+              <a:ea typeface="Calibri"/>
+              <a:cs typeface="Calibri"/>
+              <a:sym typeface="Calibri"/>
+            </a:endParaRPr>
+          </a:p>
+        </p:txBody>
+      </p:sp>
+    </p:spTree>
+    <p:extLst>
+      <p:ext uri="{BB962C8B-B14F-4D97-AF65-F5344CB8AC3E}">
+        <p14:creationId xmlns:p14="http://schemas.microsoft.com/office/powerpoint/2010/main" val="1174406950"/>
+      </p:ext>
+    </p:extLst>
+  </p:cSld>
+  <p:clrMapOvr>
+    <a:masterClrMapping/>
+  </p:clrMapOvr>
+</p:sld>
+</file>
+
 <file path=ppt/slides/slide2.xml><?xml version="1.0" encoding="utf-8"?>
 <p:sld xmlns:a="http://schemas.openxmlformats.org/drawingml/2006/main" xmlns:r="http://schemas.openxmlformats.org/officeDocument/2006/relationships" xmlns:p="http://schemas.openxmlformats.org/presentationml/2006/main">
   <p:cSld>
@@ -6819,7 +8423,7 @@
   <p:cSld>
     <p:spTree>
       <p:nvGrpSpPr>
-        <p:cNvPr id="1" name="Shape 133"/>
+        <p:cNvPr id="1" name=""/>
         <p:cNvGrpSpPr/>
         <p:nvPr/>
       </p:nvGrpSpPr>
@@ -6833,8 +8437,14 @@
       </p:grpSpPr>
       <p:sp>
         <p:nvSpPr>
-          <p:cNvPr id="134" name="Google Shape;134;p21"/>
-          <p:cNvSpPr txBox="1">
+          <p:cNvPr id="2" name="Title 1">
+            <a:extLst>
+              <a:ext uri="{FF2B5EF4-FFF2-40B4-BE49-F238E27FC236}">
+                <a16:creationId xmlns:a16="http://schemas.microsoft.com/office/drawing/2014/main" id="{2F4A7764-1C3B-413C-B35E-A90B63F7F97E}"/>
+              </a:ext>
+            </a:extLst>
+          </p:cNvPr>
+          <p:cNvSpPr>
             <a:spLocks noGrp="1"/>
           </p:cNvSpPr>
           <p:nvPr>
@@ -6843,440 +8453,360 @@
         </p:nvSpPr>
         <p:spPr>
           <a:xfrm>
-            <a:off x="838200" y="365125"/>
+            <a:off x="838200" y="62705"/>
             <a:ext cx="10515600" cy="1325563"/>
+          </a:xfrm>
+        </p:spPr>
+        <p:txBody>
+          <a:bodyPr/>
+          <a:lstStyle/>
+          <a:p>
+            <a:r>
+              <a:rPr lang="en-US" dirty="0"/>
+              <a:t>Variation over time</a:t>
+            </a:r>
+          </a:p>
+        </p:txBody>
+      </p:sp>
+      <p:sp>
+        <p:nvSpPr>
+          <p:cNvPr id="3" name="Content Placeholder 2">
+            <a:extLst>
+              <a:ext uri="{FF2B5EF4-FFF2-40B4-BE49-F238E27FC236}">
+                <a16:creationId xmlns:a16="http://schemas.microsoft.com/office/drawing/2014/main" id="{5C78A611-30CC-4D4E-A5C4-1D419975150A}"/>
+              </a:ext>
+            </a:extLst>
+          </p:cNvPr>
+          <p:cNvSpPr>
+            <a:spLocks noGrp="1"/>
+          </p:cNvSpPr>
+          <p:nvPr>
+            <p:ph idx="1"/>
+          </p:nvPr>
+        </p:nvSpPr>
+        <p:spPr>
+          <a:xfrm>
+            <a:off x="838200" y="1388268"/>
+            <a:ext cx="10515600" cy="4351338"/>
+          </a:xfrm>
+        </p:spPr>
+        <p:txBody>
+          <a:bodyPr/>
+          <a:lstStyle/>
+          <a:p>
+            <a:r>
+              <a:rPr lang="en-US" dirty="0"/>
+              <a:t>Population growth model where population growth varies by time</a:t>
+            </a:r>
+          </a:p>
+        </p:txBody>
+      </p:sp>
+      <p:pic>
+        <p:nvPicPr>
+          <p:cNvPr id="5" name="Picture 4">
+            <a:extLst>
+              <a:ext uri="{FF2B5EF4-FFF2-40B4-BE49-F238E27FC236}">
+                <a16:creationId xmlns:a16="http://schemas.microsoft.com/office/drawing/2014/main" id="{190365DD-E2BA-49F9-A5E1-015AA3D85E22}"/>
+              </a:ext>
+            </a:extLst>
+          </p:cNvPr>
+          <p:cNvPicPr>
+            <a:picLocks noChangeAspect="1"/>
+          </p:cNvPicPr>
+          <p:nvPr/>
+        </p:nvPicPr>
+        <p:blipFill>
+          <a:blip r:embed="rId2">
+            <a:extLst>
+              <a:ext uri="{28A0092B-C50C-407E-A947-70E740481C1C}">
+                <a14:useLocalDpi xmlns:a14="http://schemas.microsoft.com/office/drawing/2010/main" val="0"/>
+              </a:ext>
+            </a:extLst>
+          </a:blip>
+          <a:stretch>
+            <a:fillRect/>
+          </a:stretch>
+        </p:blipFill>
+        <p:spPr>
+          <a:xfrm>
+            <a:off x="1183043" y="1943191"/>
+            <a:ext cx="8240275" cy="1800476"/>
           </a:xfrm>
           <a:prstGeom prst="rect">
             <a:avLst/>
           </a:prstGeom>
-          <a:noFill/>
-          <a:ln>
-            <a:noFill/>
-          </a:ln>
-        </p:spPr>
-        <p:txBody>
-          <a:bodyPr spcFirstLastPara="1" wrap="square" lIns="91425" tIns="45700" rIns="91425" bIns="45700" anchor="ctr" anchorCtr="0">
-            <a:noAutofit/>
-          </a:bodyPr>
-          <a:lstStyle/>
-          <a:p>
-            <a:pPr marL="0" marR="0" lvl="0" indent="0" algn="l" rtl="0">
-              <a:lnSpc>
-                <a:spcPct val="90000"/>
-              </a:lnSpc>
-              <a:spcBef>
-                <a:spcPts val="0"/>
-              </a:spcBef>
-              <a:spcAft>
-                <a:spcPts val="0"/>
-              </a:spcAft>
-              <a:buClr>
-                <a:schemeClr val="dk1"/>
-              </a:buClr>
-              <a:buSzPts val="4400"/>
-              <a:buFont typeface="Calibri"/>
-              <a:buNone/>
-            </a:pPr>
-            <a:r>
-              <a:rPr lang="en-US" sz="4400" b="0" i="0" u="none" strike="noStrike" cap="none">
-                <a:solidFill>
-                  <a:schemeClr val="dk1"/>
-                </a:solidFill>
-                <a:latin typeface="Calibri"/>
-                <a:ea typeface="Calibri"/>
-                <a:cs typeface="Calibri"/>
-                <a:sym typeface="Calibri"/>
-              </a:rPr>
-              <a:t>Projection models for today</a:t>
-            </a:r>
-            <a:endParaRPr sz="4400" b="0" i="0" u="none" strike="noStrike" cap="none">
-              <a:solidFill>
-                <a:schemeClr val="dk1"/>
-              </a:solidFill>
-              <a:latin typeface="Calibri"/>
-              <a:ea typeface="Calibri"/>
-              <a:cs typeface="Calibri"/>
-              <a:sym typeface="Calibri"/>
-            </a:endParaRPr>
-          </a:p>
-        </p:txBody>
-      </p:sp>
-      <p:sp>
-        <p:nvSpPr>
-          <p:cNvPr id="135" name="Google Shape;135;p21"/>
-          <p:cNvSpPr txBox="1">
-            <a:spLocks noGrp="1"/>
-          </p:cNvSpPr>
-          <p:nvPr>
-            <p:ph type="body" idx="1"/>
-          </p:nvPr>
-        </p:nvSpPr>
-        <p:spPr>
-          <a:xfrm>
-            <a:off x="838200" y="1825625"/>
-            <a:ext cx="10515600" cy="4351338"/>
+        </p:spPr>
+      </p:pic>
+      <p:pic>
+        <p:nvPicPr>
+          <p:cNvPr id="7" name="Picture 6">
+            <a:extLst>
+              <a:ext uri="{FF2B5EF4-FFF2-40B4-BE49-F238E27FC236}">
+                <a16:creationId xmlns:a16="http://schemas.microsoft.com/office/drawing/2014/main" id="{AF2BC9AC-EDBB-45BA-AD99-B750444743A6}"/>
+              </a:ext>
+            </a:extLst>
+          </p:cNvPr>
+          <p:cNvPicPr>
+            <a:picLocks noChangeAspect="1"/>
+          </p:cNvPicPr>
+          <p:nvPr/>
+        </p:nvPicPr>
+        <p:blipFill>
+          <a:blip r:embed="rId3">
+            <a:extLst>
+              <a:ext uri="{28A0092B-C50C-407E-A947-70E740481C1C}">
+                <a14:useLocalDpi xmlns:a14="http://schemas.microsoft.com/office/drawing/2010/main" val="0"/>
+              </a:ext>
+            </a:extLst>
+          </a:blip>
+          <a:stretch>
+            <a:fillRect/>
+          </a:stretch>
+        </p:blipFill>
+        <p:spPr>
+          <a:xfrm>
+            <a:off x="833037" y="3785744"/>
+            <a:ext cx="3337587" cy="3072256"/>
           </a:xfrm>
           <a:prstGeom prst="rect">
             <a:avLst/>
           </a:prstGeom>
-          <a:noFill/>
-          <a:ln>
-            <a:noFill/>
+        </p:spPr>
+      </p:pic>
+      <p:cxnSp>
+        <p:nvCxnSpPr>
+          <p:cNvPr id="9" name="Straight Arrow Connector 8">
+            <a:extLst>
+              <a:ext uri="{FF2B5EF4-FFF2-40B4-BE49-F238E27FC236}">
+                <a16:creationId xmlns:a16="http://schemas.microsoft.com/office/drawing/2014/main" id="{C06915FA-1706-488F-8DF9-EEF3A8A35680}"/>
+              </a:ext>
+            </a:extLst>
+          </p:cNvPr>
+          <p:cNvCxnSpPr>
+            <a:cxnSpLocks/>
+          </p:cNvCxnSpPr>
+          <p:nvPr/>
+        </p:nvCxnSpPr>
+        <p:spPr>
+          <a:xfrm flipV="1">
+            <a:off x="2349795" y="3274054"/>
+            <a:ext cx="1820829" cy="1786270"/>
+          </a:xfrm>
+          <a:prstGeom prst="straightConnector1">
+            <a:avLst/>
+          </a:prstGeom>
+          <a:ln w="22225">
+            <a:solidFill>
+              <a:schemeClr val="tx1"/>
+            </a:solidFill>
+            <a:tailEnd type="arrow"/>
           </a:ln>
         </p:spPr>
-        <p:txBody>
-          <a:bodyPr spcFirstLastPara="1" wrap="square" lIns="91425" tIns="45700" rIns="91425" bIns="45700" anchor="t" anchorCtr="0">
-            <a:noAutofit/>
-          </a:bodyPr>
-          <a:lstStyle/>
-          <a:p>
-            <a:pPr marL="228600" marR="0" lvl="0" indent="-228600" algn="l" rtl="0">
-              <a:lnSpc>
-                <a:spcPct val="80000"/>
-              </a:lnSpc>
-              <a:spcBef>
-                <a:spcPts val="0"/>
-              </a:spcBef>
-              <a:spcAft>
-                <a:spcPts val="0"/>
-              </a:spcAft>
-              <a:buClr>
-                <a:schemeClr val="dk1"/>
-              </a:buClr>
-              <a:buSzPts val="2800"/>
-              <a:buFont typeface="Arial"/>
-              <a:buChar char="•"/>
-            </a:pPr>
-            <a:r>
-              <a:rPr lang="en-US" sz="2800" b="0" i="0" u="none" strike="noStrike" cap="none" dirty="0">
-                <a:solidFill>
-                  <a:schemeClr val="dk1"/>
-                </a:solidFill>
-                <a:latin typeface="Calibri"/>
-                <a:ea typeface="Calibri"/>
-                <a:cs typeface="Calibri"/>
-                <a:sym typeface="Calibri"/>
-              </a:rPr>
-              <a:t>Occupancy / site persistence models</a:t>
-            </a:r>
-            <a:endParaRPr dirty="0"/>
-          </a:p>
-          <a:p>
-            <a:pPr marL="228600" marR="0" lvl="0" indent="-228600" algn="l" rtl="0">
-              <a:lnSpc>
-                <a:spcPct val="80000"/>
-              </a:lnSpc>
-              <a:spcBef>
-                <a:spcPts val="1000"/>
-              </a:spcBef>
-              <a:spcAft>
-                <a:spcPts val="0"/>
-              </a:spcAft>
-              <a:buClr>
-                <a:schemeClr val="dk1"/>
-              </a:buClr>
-              <a:buSzPts val="2800"/>
-              <a:buFont typeface="Arial"/>
-              <a:buChar char="•"/>
-            </a:pPr>
-            <a:r>
-              <a:rPr lang="en-US" sz="2800" b="0" i="0" u="none" strike="noStrike" cap="none" dirty="0">
-                <a:solidFill>
-                  <a:schemeClr val="dk1"/>
-                </a:solidFill>
-                <a:latin typeface="Calibri"/>
-                <a:ea typeface="Calibri"/>
-                <a:cs typeface="Calibri"/>
-                <a:sym typeface="Calibri"/>
-              </a:rPr>
-              <a:t>Multi-state occupancy models</a:t>
-            </a:r>
-            <a:endParaRPr dirty="0"/>
-          </a:p>
-          <a:p>
-            <a:pPr marL="228600" marR="0" lvl="0" indent="-228600" algn="l" rtl="0">
-              <a:lnSpc>
-                <a:spcPct val="80000"/>
-              </a:lnSpc>
-              <a:spcBef>
-                <a:spcPts val="1000"/>
-              </a:spcBef>
-              <a:spcAft>
-                <a:spcPts val="0"/>
-              </a:spcAft>
-              <a:buClr>
-                <a:schemeClr val="dk1"/>
-              </a:buClr>
-              <a:buSzPts val="2800"/>
-              <a:buFont typeface="Arial"/>
-              <a:buChar char="•"/>
-            </a:pPr>
-            <a:r>
-              <a:rPr lang="en-US" sz="2800" b="0" i="0" u="none" strike="noStrike" cap="none" dirty="0" err="1">
-                <a:solidFill>
-                  <a:schemeClr val="dk1"/>
-                </a:solidFill>
-                <a:latin typeface="Calibri"/>
-                <a:ea typeface="Calibri"/>
-                <a:cs typeface="Calibri"/>
-                <a:sym typeface="Calibri"/>
-              </a:rPr>
-              <a:t>λ</a:t>
-            </a:r>
-            <a:r>
-              <a:rPr lang="en-US" sz="2800" b="0" i="0" u="none" strike="noStrike" cap="none" dirty="0">
-                <a:solidFill>
-                  <a:schemeClr val="dk1"/>
-                </a:solidFill>
-                <a:latin typeface="Calibri"/>
-                <a:ea typeface="Calibri"/>
-                <a:cs typeface="Calibri"/>
-                <a:sym typeface="Calibri"/>
-              </a:rPr>
-              <a:t> growth models and Poisson projection models</a:t>
-            </a:r>
-            <a:endParaRPr dirty="0"/>
-          </a:p>
-          <a:p>
-            <a:pPr marL="228600" marR="0" lvl="0" indent="-228600" algn="l" rtl="0">
-              <a:lnSpc>
-                <a:spcPct val="80000"/>
-              </a:lnSpc>
-              <a:spcBef>
-                <a:spcPts val="1000"/>
-              </a:spcBef>
-              <a:spcAft>
-                <a:spcPts val="0"/>
-              </a:spcAft>
-              <a:buClr>
-                <a:schemeClr val="dk1"/>
-              </a:buClr>
-              <a:buSzPts val="2800"/>
-              <a:buFont typeface="Arial"/>
-              <a:buChar char="•"/>
-            </a:pPr>
-            <a:r>
-              <a:rPr lang="en-US" sz="2800" b="0" i="0" u="none" strike="noStrike" cap="none" dirty="0">
-                <a:solidFill>
-                  <a:schemeClr val="dk1"/>
-                </a:solidFill>
-                <a:latin typeface="Calibri"/>
-                <a:ea typeface="Calibri"/>
-                <a:cs typeface="Calibri"/>
-                <a:sym typeface="Calibri"/>
-              </a:rPr>
-              <a:t>Demographic/matrix projection models</a:t>
-            </a:r>
-            <a:endParaRPr dirty="0"/>
-          </a:p>
-          <a:p>
-            <a:pPr marL="228600" marR="0" lvl="0" indent="-50800" algn="l" rtl="0">
-              <a:lnSpc>
-                <a:spcPct val="80000"/>
-              </a:lnSpc>
-              <a:spcBef>
-                <a:spcPts val="1000"/>
-              </a:spcBef>
-              <a:spcAft>
-                <a:spcPts val="0"/>
-              </a:spcAft>
-              <a:buClr>
-                <a:schemeClr val="dk1"/>
-              </a:buClr>
-              <a:buSzPts val="2800"/>
-              <a:buFont typeface="Arial"/>
-              <a:buNone/>
-            </a:pPr>
-            <a:endParaRPr sz="2800" b="0" i="0" u="none" strike="noStrike" cap="none" dirty="0">
-              <a:solidFill>
-                <a:schemeClr val="dk1"/>
-              </a:solidFill>
-              <a:latin typeface="Calibri"/>
-              <a:ea typeface="Calibri"/>
-              <a:cs typeface="Calibri"/>
-              <a:sym typeface="Calibri"/>
-            </a:endParaRPr>
-          </a:p>
-          <a:p>
-            <a:pPr marL="228600" marR="0" lvl="0" indent="-228600" algn="l" rtl="0">
-              <a:lnSpc>
-                <a:spcPct val="80000"/>
-              </a:lnSpc>
-              <a:spcBef>
-                <a:spcPts val="1000"/>
-              </a:spcBef>
-              <a:spcAft>
-                <a:spcPts val="0"/>
-              </a:spcAft>
-              <a:buClr>
-                <a:schemeClr val="dk1"/>
-              </a:buClr>
-              <a:buSzPts val="2800"/>
-              <a:buFont typeface="Arial"/>
-              <a:buChar char="•"/>
-            </a:pPr>
-            <a:r>
-              <a:rPr lang="en-US" sz="2800" b="0" i="0" u="none" strike="noStrike" cap="none" dirty="0">
-                <a:solidFill>
-                  <a:schemeClr val="dk1"/>
-                </a:solidFill>
-                <a:latin typeface="Calibri"/>
-                <a:ea typeface="Calibri"/>
-                <a:cs typeface="Calibri"/>
-                <a:sym typeface="Calibri"/>
-              </a:rPr>
-              <a:t>Key issues</a:t>
-            </a:r>
-            <a:endParaRPr dirty="0"/>
-          </a:p>
-          <a:p>
-            <a:pPr marL="685800" marR="0" lvl="1" indent="-228600" algn="l" rtl="0">
-              <a:lnSpc>
-                <a:spcPct val="80000"/>
-              </a:lnSpc>
-              <a:spcBef>
-                <a:spcPts val="500"/>
-              </a:spcBef>
-              <a:spcAft>
-                <a:spcPts val="0"/>
-              </a:spcAft>
-              <a:buClr>
-                <a:schemeClr val="dk1"/>
-              </a:buClr>
-              <a:buSzPts val="2400"/>
-              <a:buFont typeface="Arial"/>
-              <a:buChar char="•"/>
-            </a:pPr>
-            <a:r>
-              <a:rPr lang="en-US" sz="2400" b="0" i="0" u="none" strike="noStrike" cap="none" dirty="0">
-                <a:solidFill>
-                  <a:schemeClr val="dk1"/>
-                </a:solidFill>
-                <a:latin typeface="Calibri"/>
-                <a:ea typeface="Calibri"/>
-                <a:cs typeface="Calibri"/>
-                <a:sym typeface="Calibri"/>
-              </a:rPr>
-              <a:t>Conceptual → quantitative</a:t>
-            </a:r>
-            <a:endParaRPr dirty="0"/>
-          </a:p>
-          <a:p>
-            <a:pPr marL="685800" marR="0" lvl="1" indent="-228600" algn="l" rtl="0">
-              <a:lnSpc>
-                <a:spcPct val="80000"/>
-              </a:lnSpc>
-              <a:spcBef>
-                <a:spcPts val="500"/>
-              </a:spcBef>
-              <a:spcAft>
-                <a:spcPts val="0"/>
-              </a:spcAft>
-              <a:buClr>
-                <a:schemeClr val="dk1"/>
-              </a:buClr>
-              <a:buSzPts val="2400"/>
-              <a:buFont typeface="Arial"/>
-              <a:buChar char="•"/>
-            </a:pPr>
-            <a:r>
-              <a:rPr lang="en-US" sz="2400" b="0" i="0" u="none" strike="noStrike" cap="none" dirty="0">
-                <a:solidFill>
-                  <a:schemeClr val="dk1"/>
-                </a:solidFill>
-                <a:latin typeface="Calibri"/>
-                <a:ea typeface="Calibri"/>
-                <a:cs typeface="Calibri"/>
-                <a:sym typeface="Calibri"/>
-              </a:rPr>
-              <a:t>Linking population parameters to environmental variables</a:t>
-            </a:r>
-            <a:endParaRPr dirty="0"/>
-          </a:p>
-          <a:p>
-            <a:pPr marL="685800" marR="0" lvl="1" indent="-228600" algn="l" rtl="0">
-              <a:lnSpc>
-                <a:spcPct val="80000"/>
-              </a:lnSpc>
-              <a:spcBef>
-                <a:spcPts val="500"/>
-              </a:spcBef>
-              <a:spcAft>
-                <a:spcPts val="0"/>
-              </a:spcAft>
-              <a:buClr>
-                <a:schemeClr val="dk1"/>
-              </a:buClr>
-              <a:buSzPts val="2400"/>
-              <a:buFont typeface="Arial"/>
-              <a:buChar char="•"/>
-            </a:pPr>
-            <a:r>
-              <a:rPr lang="en-US" sz="2400" b="0" i="0" u="none" strike="noStrike" cap="none" dirty="0">
-                <a:solidFill>
-                  <a:schemeClr val="dk1"/>
-                </a:solidFill>
-                <a:latin typeface="Calibri"/>
-                <a:ea typeface="Calibri"/>
-                <a:cs typeface="Calibri"/>
-                <a:sym typeface="Calibri"/>
-              </a:rPr>
-              <a:t>Environmental stochasticity and parametric uncertainty</a:t>
-            </a:r>
-            <a:endParaRPr dirty="0"/>
-          </a:p>
-          <a:p>
-            <a:pPr marL="685800" marR="0" lvl="1" indent="-228600" algn="l" rtl="0">
-              <a:lnSpc>
-                <a:spcPct val="80000"/>
-              </a:lnSpc>
-              <a:spcBef>
-                <a:spcPts val="500"/>
-              </a:spcBef>
-              <a:spcAft>
-                <a:spcPts val="0"/>
-              </a:spcAft>
-              <a:buClr>
-                <a:schemeClr val="dk1"/>
-              </a:buClr>
-              <a:buSzPts val="2400"/>
-              <a:buFont typeface="Arial"/>
-              <a:buChar char="•"/>
-            </a:pPr>
-            <a:r>
-              <a:rPr lang="en-US" sz="2400" b="0" i="0" u="none" strike="noStrike" cap="none" dirty="0">
-                <a:solidFill>
-                  <a:schemeClr val="dk1"/>
-                </a:solidFill>
-                <a:latin typeface="Calibri"/>
-                <a:ea typeface="Calibri"/>
-                <a:cs typeface="Calibri"/>
-                <a:sym typeface="Calibri"/>
-              </a:rPr>
-              <a:t>Sensitivity analyses </a:t>
-            </a:r>
-            <a:endParaRPr sz="2400" b="0" i="0" u="none" strike="noStrike" cap="none" dirty="0">
-              <a:solidFill>
-                <a:schemeClr val="dk1"/>
-              </a:solidFill>
-              <a:latin typeface="Calibri"/>
-              <a:ea typeface="Calibri"/>
-              <a:cs typeface="Calibri"/>
-              <a:sym typeface="Calibri"/>
-            </a:endParaRPr>
-          </a:p>
-        </p:txBody>
-      </p:sp>
+        <p:style>
+          <a:lnRef idx="1">
+            <a:schemeClr val="accent1"/>
+          </a:lnRef>
+          <a:fillRef idx="0">
+            <a:schemeClr val="accent1"/>
+          </a:fillRef>
+          <a:effectRef idx="0">
+            <a:schemeClr val="accent1"/>
+          </a:effectRef>
+          <a:fontRef idx="minor">
+            <a:schemeClr val="tx1"/>
+          </a:fontRef>
+        </p:style>
+      </p:cxnSp>
+      <p:cxnSp>
+        <p:nvCxnSpPr>
+          <p:cNvPr id="11" name="Straight Arrow Connector 10">
+            <a:extLst>
+              <a:ext uri="{FF2B5EF4-FFF2-40B4-BE49-F238E27FC236}">
+                <a16:creationId xmlns:a16="http://schemas.microsoft.com/office/drawing/2014/main" id="{38582043-7BC9-4AAA-AC54-F21CC8BDDEBD}"/>
+              </a:ext>
+            </a:extLst>
+          </p:cNvPr>
+          <p:cNvCxnSpPr>
+            <a:cxnSpLocks/>
+          </p:cNvCxnSpPr>
+          <p:nvPr/>
+        </p:nvCxnSpPr>
+        <p:spPr>
+          <a:xfrm flipV="1">
+            <a:off x="2987749" y="3274054"/>
+            <a:ext cx="1769781" cy="1786270"/>
+          </a:xfrm>
+          <a:prstGeom prst="straightConnector1">
+            <a:avLst/>
+          </a:prstGeom>
+          <a:ln w="22225">
+            <a:solidFill>
+              <a:schemeClr val="tx1"/>
+            </a:solidFill>
+            <a:tailEnd type="arrow"/>
+          </a:ln>
+        </p:spPr>
+        <p:style>
+          <a:lnRef idx="1">
+            <a:schemeClr val="accent1"/>
+          </a:lnRef>
+          <a:fillRef idx="0">
+            <a:schemeClr val="accent1"/>
+          </a:fillRef>
+          <a:effectRef idx="0">
+            <a:schemeClr val="accent1"/>
+          </a:effectRef>
+          <a:fontRef idx="minor">
+            <a:schemeClr val="tx1"/>
+          </a:fontRef>
+        </p:style>
+      </p:cxnSp>
     </p:spTree>
     <p:extLst>
       <p:ext uri="{BB962C8B-B14F-4D97-AF65-F5344CB8AC3E}">
-        <p14:creationId xmlns:p14="http://schemas.microsoft.com/office/powerpoint/2010/main" val="4254398904"/>
+        <p14:creationId xmlns:p14="http://schemas.microsoft.com/office/powerpoint/2010/main" val="1455653036"/>
       </p:ext>
     </p:extLst>
   </p:cSld>
   <p:clrMapOvr>
     <a:masterClrMapping/>
   </p:clrMapOvr>
+  <p:timing>
+    <p:tnLst>
+      <p:par>
+        <p:cTn id="1" dur="indefinite" restart="never" nodeType="tmRoot">
+          <p:childTnLst>
+            <p:seq concurrent="1" nextAc="seek">
+              <p:cTn id="2" dur="indefinite" nodeType="mainSeq">
+                <p:childTnLst>
+                  <p:par>
+                    <p:cTn id="3" fill="hold">
+                      <p:stCondLst>
+                        <p:cond delay="indefinite"/>
+                      </p:stCondLst>
+                      <p:childTnLst>
+                        <p:par>
+                          <p:cTn id="4" fill="hold">
+                            <p:stCondLst>
+                              <p:cond delay="0"/>
+                            </p:stCondLst>
+                            <p:childTnLst>
+                              <p:par>
+                                <p:cTn id="5" presetID="10" presetClass="entr" presetSubtype="0" fill="hold" nodeType="clickEffect">
+                                  <p:stCondLst>
+                                    <p:cond delay="0"/>
+                                  </p:stCondLst>
+                                  <p:childTnLst>
+                                    <p:set>
+                                      <p:cBhvr>
+                                        <p:cTn id="6" dur="1" fill="hold">
+                                          <p:stCondLst>
+                                            <p:cond delay="0"/>
+                                          </p:stCondLst>
+                                        </p:cTn>
+                                        <p:tgtEl>
+                                          <p:spTgt spid="9"/>
+                                        </p:tgtEl>
+                                        <p:attrNameLst>
+                                          <p:attrName>style.visibility</p:attrName>
+                                        </p:attrNameLst>
+                                      </p:cBhvr>
+                                      <p:to>
+                                        <p:strVal val="visible"/>
+                                      </p:to>
+                                    </p:set>
+                                    <p:animEffect transition="in" filter="fade">
+                                      <p:cBhvr>
+                                        <p:cTn id="7" dur="500"/>
+                                        <p:tgtEl>
+                                          <p:spTgt spid="9"/>
+                                        </p:tgtEl>
+                                      </p:cBhvr>
+                                    </p:animEffect>
+                                  </p:childTnLst>
+                                </p:cTn>
+                              </p:par>
+                            </p:childTnLst>
+                          </p:cTn>
+                        </p:par>
+                      </p:childTnLst>
+                    </p:cTn>
+                  </p:par>
+                  <p:par>
+                    <p:cTn id="8" fill="hold">
+                      <p:stCondLst>
+                        <p:cond delay="indefinite"/>
+                      </p:stCondLst>
+                      <p:childTnLst>
+                        <p:par>
+                          <p:cTn id="9" fill="hold">
+                            <p:stCondLst>
+                              <p:cond delay="0"/>
+                            </p:stCondLst>
+                            <p:childTnLst>
+                              <p:par>
+                                <p:cTn id="10" presetID="10" presetClass="entr" presetSubtype="0" fill="hold" nodeType="clickEffect">
+                                  <p:stCondLst>
+                                    <p:cond delay="0"/>
+                                  </p:stCondLst>
+                                  <p:childTnLst>
+                                    <p:set>
+                                      <p:cBhvr>
+                                        <p:cTn id="11" dur="1" fill="hold">
+                                          <p:stCondLst>
+                                            <p:cond delay="0"/>
+                                          </p:stCondLst>
+                                        </p:cTn>
+                                        <p:tgtEl>
+                                          <p:spTgt spid="11"/>
+                                        </p:tgtEl>
+                                        <p:attrNameLst>
+                                          <p:attrName>style.visibility</p:attrName>
+                                        </p:attrNameLst>
+                                      </p:cBhvr>
+                                      <p:to>
+                                        <p:strVal val="visible"/>
+                                      </p:to>
+                                    </p:set>
+                                    <p:animEffect transition="in" filter="fade">
+                                      <p:cBhvr>
+                                        <p:cTn id="12" dur="500"/>
+                                        <p:tgtEl>
+                                          <p:spTgt spid="11"/>
+                                        </p:tgtEl>
+                                      </p:cBhvr>
+                                    </p:animEffect>
+                                  </p:childTnLst>
+                                </p:cTn>
+                              </p:par>
+                            </p:childTnLst>
+                          </p:cTn>
+                        </p:par>
+                      </p:childTnLst>
+                    </p:cTn>
+                  </p:par>
+                </p:childTnLst>
+              </p:cTn>
+              <p:prevCondLst>
+                <p:cond evt="onPrev" delay="0">
+                  <p:tgtEl>
+                    <p:sldTgt/>
+                  </p:tgtEl>
+                </p:cond>
+              </p:prevCondLst>
+              <p:nextCondLst>
+                <p:cond evt="onNext" delay="0">
+                  <p:tgtEl>
+                    <p:sldTgt/>
+                  </p:tgtEl>
+                </p:cond>
+              </p:nextCondLst>
+            </p:seq>
+          </p:childTnLst>
+        </p:cTn>
+      </p:par>
+    </p:tnLst>
+  </p:timing>
 </p:sld>
 </file>
 
@@ -7285,7 +8815,7 @@
   <p:cSld>
     <p:spTree>
       <p:nvGrpSpPr>
-        <p:cNvPr id="1" name="Shape 139"/>
+        <p:cNvPr id="1" name=""/>
         <p:cNvGrpSpPr/>
         <p:nvPr/>
       </p:nvGrpSpPr>
@@ -7299,8 +8829,14 @@
       </p:grpSpPr>
       <p:sp>
         <p:nvSpPr>
-          <p:cNvPr id="140" name="Google Shape;140;p22"/>
-          <p:cNvSpPr txBox="1">
+          <p:cNvPr id="2" name="Title 1">
+            <a:extLst>
+              <a:ext uri="{FF2B5EF4-FFF2-40B4-BE49-F238E27FC236}">
+                <a16:creationId xmlns:a16="http://schemas.microsoft.com/office/drawing/2014/main" id="{585240D9-A0AB-4BA3-B4E1-E0B9921125BC}"/>
+              </a:ext>
+            </a:extLst>
+          </p:cNvPr>
+          <p:cNvSpPr>
             <a:spLocks noGrp="1"/>
           </p:cNvSpPr>
           <p:nvPr>
@@ -7309,132 +8845,381 @@
         </p:nvSpPr>
         <p:spPr>
           <a:xfrm>
-            <a:off x="838200" y="365125"/>
-            <a:ext cx="10515600" cy="1325563"/>
+            <a:off x="838200" y="161234"/>
+            <a:ext cx="10515600" cy="1039605"/>
+          </a:xfrm>
+        </p:spPr>
+        <p:txBody>
+          <a:bodyPr/>
+          <a:lstStyle/>
+          <a:p>
+            <a:r>
+              <a:rPr lang="en-US" dirty="0"/>
+              <a:t>Parametric and temporal variability</a:t>
+            </a:r>
+          </a:p>
+        </p:txBody>
+      </p:sp>
+      <p:pic>
+        <p:nvPicPr>
+          <p:cNvPr id="9" name="Picture 8">
+            <a:extLst>
+              <a:ext uri="{FF2B5EF4-FFF2-40B4-BE49-F238E27FC236}">
+                <a16:creationId xmlns:a16="http://schemas.microsoft.com/office/drawing/2014/main" id="{0E9AF620-E73A-43F2-ACD5-EA4F18301619}"/>
+              </a:ext>
+            </a:extLst>
+          </p:cNvPr>
+          <p:cNvPicPr>
+            <a:picLocks noChangeAspect="1"/>
+          </p:cNvPicPr>
+          <p:nvPr/>
+        </p:nvPicPr>
+        <p:blipFill>
+          <a:blip r:embed="rId2">
+            <a:extLst>
+              <a:ext uri="{28A0092B-C50C-407E-A947-70E740481C1C}">
+                <a14:useLocalDpi xmlns:a14="http://schemas.microsoft.com/office/drawing/2010/main" val="0"/>
+              </a:ext>
+            </a:extLst>
+          </a:blip>
+          <a:stretch>
+            <a:fillRect/>
+          </a:stretch>
+        </p:blipFill>
+        <p:spPr>
+          <a:xfrm>
+            <a:off x="666730" y="1676916"/>
+            <a:ext cx="10858539" cy="2706143"/>
           </a:xfrm>
           <a:prstGeom prst="rect">
             <a:avLst/>
           </a:prstGeom>
-          <a:noFill/>
-          <a:ln>
-            <a:noFill/>
-          </a:ln>
-        </p:spPr>
-        <p:txBody>
-          <a:bodyPr spcFirstLastPara="1" wrap="square" lIns="91425" tIns="45700" rIns="91425" bIns="45700" anchor="ctr" anchorCtr="0">
-            <a:noAutofit/>
-          </a:bodyPr>
-          <a:lstStyle/>
-          <a:p>
-            <a:pPr marL="0" marR="0" lvl="0" indent="0" algn="l" rtl="0">
-              <a:lnSpc>
-                <a:spcPct val="90000"/>
-              </a:lnSpc>
-              <a:spcBef>
-                <a:spcPts val="0"/>
-              </a:spcBef>
-              <a:spcAft>
-                <a:spcPts val="0"/>
-              </a:spcAft>
-              <a:buClr>
-                <a:schemeClr val="dk1"/>
-              </a:buClr>
-              <a:buSzPts val="4400"/>
-              <a:buFont typeface="Calibri"/>
-              <a:buNone/>
-            </a:pPr>
-            <a:r>
-              <a:rPr lang="en-US" sz="4400" b="0" i="0" u="none" strike="noStrike" cap="none">
-                <a:solidFill>
-                  <a:schemeClr val="dk1"/>
-                </a:solidFill>
-                <a:latin typeface="Calibri"/>
-                <a:ea typeface="Calibri"/>
-                <a:cs typeface="Calibri"/>
-                <a:sym typeface="Calibri"/>
-              </a:rPr>
-              <a:t>Questions?</a:t>
-            </a:r>
-            <a:endParaRPr sz="4400" b="0" i="0" u="none" strike="noStrike" cap="none">
-              <a:solidFill>
-                <a:schemeClr val="dk1"/>
-              </a:solidFill>
-              <a:latin typeface="Calibri"/>
-              <a:ea typeface="Calibri"/>
-              <a:cs typeface="Calibri"/>
-              <a:sym typeface="Calibri"/>
-            </a:endParaRPr>
-          </a:p>
-        </p:txBody>
-      </p:sp>
-      <p:sp>
-        <p:nvSpPr>
-          <p:cNvPr id="141" name="Google Shape;141;p22"/>
-          <p:cNvSpPr txBox="1">
-            <a:spLocks noGrp="1"/>
-          </p:cNvSpPr>
-          <p:nvPr>
-            <p:ph type="body" idx="1"/>
-          </p:nvPr>
-        </p:nvSpPr>
-        <p:spPr>
-          <a:xfrm>
-            <a:off x="838200" y="1825625"/>
-            <a:ext cx="10515600" cy="4351338"/>
+        </p:spPr>
+      </p:pic>
+      <p:pic>
+        <p:nvPicPr>
+          <p:cNvPr id="4" name="Picture 3">
+            <a:extLst>
+              <a:ext uri="{FF2B5EF4-FFF2-40B4-BE49-F238E27FC236}">
+                <a16:creationId xmlns:a16="http://schemas.microsoft.com/office/drawing/2014/main" id="{619C33D0-F855-43A2-AF4A-AB9B64190B9F}"/>
+              </a:ext>
+            </a:extLst>
+          </p:cNvPr>
+          <p:cNvPicPr>
+            <a:picLocks noChangeAspect="1"/>
+          </p:cNvPicPr>
+          <p:nvPr/>
+        </p:nvPicPr>
+        <p:blipFill>
+          <a:blip r:embed="rId3">
+            <a:extLst>
+              <a:ext uri="{28A0092B-C50C-407E-A947-70E740481C1C}">
+                <a14:useLocalDpi xmlns:a14="http://schemas.microsoft.com/office/drawing/2010/main" val="0"/>
+              </a:ext>
+            </a:extLst>
+          </a:blip>
+          <a:stretch>
+            <a:fillRect/>
+          </a:stretch>
+        </p:blipFill>
+        <p:spPr>
+          <a:xfrm>
+            <a:off x="6095999" y="1200839"/>
+            <a:ext cx="4553585" cy="4191585"/>
           </a:xfrm>
           <a:prstGeom prst="rect">
             <a:avLst/>
           </a:prstGeom>
-          <a:noFill/>
           <a:ln>
-            <a:noFill/>
+            <a:solidFill>
+              <a:schemeClr val="bg1"/>
+            </a:solidFill>
           </a:ln>
         </p:spPr>
-        <p:txBody>
-          <a:bodyPr spcFirstLastPara="1" wrap="square" lIns="91425" tIns="45700" rIns="91425" bIns="45700" anchor="t" anchorCtr="0">
-            <a:noAutofit/>
-          </a:bodyPr>
-          <a:lstStyle/>
-          <a:p>
-            <a:pPr marL="228600" marR="0" lvl="0" indent="-50800" algn="l" rtl="0">
-              <a:lnSpc>
-                <a:spcPct val="90000"/>
-              </a:lnSpc>
-              <a:spcBef>
-                <a:spcPts val="0"/>
-              </a:spcBef>
-              <a:spcAft>
-                <a:spcPts val="0"/>
-              </a:spcAft>
-              <a:buClr>
-                <a:schemeClr val="dk1"/>
-              </a:buClr>
-              <a:buSzPts val="2800"/>
-              <a:buFont typeface="Arial"/>
-              <a:buNone/>
-            </a:pPr>
-            <a:endParaRPr sz="2800" b="0" i="0" u="none" strike="noStrike" cap="none">
-              <a:solidFill>
-                <a:schemeClr val="dk1"/>
-              </a:solidFill>
-              <a:latin typeface="Calibri"/>
-              <a:ea typeface="Calibri"/>
-              <a:cs typeface="Calibri"/>
-              <a:sym typeface="Calibri"/>
-            </a:endParaRPr>
-          </a:p>
-        </p:txBody>
-      </p:sp>
+      </p:pic>
+      <p:cxnSp>
+        <p:nvCxnSpPr>
+          <p:cNvPr id="8" name="Straight Arrow Connector 7">
+            <a:extLst>
+              <a:ext uri="{FF2B5EF4-FFF2-40B4-BE49-F238E27FC236}">
+                <a16:creationId xmlns:a16="http://schemas.microsoft.com/office/drawing/2014/main" id="{5FE68CAB-C079-43F6-AA17-36884FFE9125}"/>
+              </a:ext>
+            </a:extLst>
+          </p:cNvPr>
+          <p:cNvCxnSpPr/>
+          <p:nvPr/>
+        </p:nvCxnSpPr>
+        <p:spPr>
+          <a:xfrm flipH="1">
+            <a:off x="4189615" y="2876204"/>
+            <a:ext cx="3940232" cy="798021"/>
+          </a:xfrm>
+          <a:prstGeom prst="straightConnector1">
+            <a:avLst/>
+          </a:prstGeom>
+          <a:ln w="12700">
+            <a:solidFill>
+              <a:schemeClr val="tx1"/>
+            </a:solidFill>
+            <a:tailEnd type="arrow"/>
+          </a:ln>
+        </p:spPr>
+        <p:style>
+          <a:lnRef idx="1">
+            <a:schemeClr val="accent1"/>
+          </a:lnRef>
+          <a:fillRef idx="0">
+            <a:schemeClr val="accent1"/>
+          </a:fillRef>
+          <a:effectRef idx="0">
+            <a:schemeClr val="accent1"/>
+          </a:effectRef>
+          <a:fontRef idx="minor">
+            <a:schemeClr val="tx1"/>
+          </a:fontRef>
+        </p:style>
+      </p:cxnSp>
+      <p:cxnSp>
+        <p:nvCxnSpPr>
+          <p:cNvPr id="12" name="Straight Arrow Connector 11">
+            <a:extLst>
+              <a:ext uri="{FF2B5EF4-FFF2-40B4-BE49-F238E27FC236}">
+                <a16:creationId xmlns:a16="http://schemas.microsoft.com/office/drawing/2014/main" id="{7D438437-4B30-49A7-B784-D2D9602BE2F2}"/>
+              </a:ext>
+            </a:extLst>
+          </p:cNvPr>
+          <p:cNvCxnSpPr/>
+          <p:nvPr/>
+        </p:nvCxnSpPr>
+        <p:spPr>
+          <a:xfrm flipH="1">
+            <a:off x="4189615" y="2061556"/>
+            <a:ext cx="4488872" cy="968431"/>
+          </a:xfrm>
+          <a:prstGeom prst="straightConnector1">
+            <a:avLst/>
+          </a:prstGeom>
+          <a:ln w="12700">
+            <a:solidFill>
+              <a:schemeClr val="tx1"/>
+            </a:solidFill>
+            <a:tailEnd type="arrow"/>
+          </a:ln>
+        </p:spPr>
+        <p:style>
+          <a:lnRef idx="1">
+            <a:schemeClr val="accent1"/>
+          </a:lnRef>
+          <a:fillRef idx="0">
+            <a:schemeClr val="accent1"/>
+          </a:fillRef>
+          <a:effectRef idx="0">
+            <a:schemeClr val="accent1"/>
+          </a:effectRef>
+          <a:fontRef idx="minor">
+            <a:schemeClr val="tx1"/>
+          </a:fontRef>
+        </p:style>
+      </p:cxnSp>
     </p:spTree>
     <p:extLst>
       <p:ext uri="{BB962C8B-B14F-4D97-AF65-F5344CB8AC3E}">
-        <p14:creationId xmlns:p14="http://schemas.microsoft.com/office/powerpoint/2010/main" val="1174406950"/>
+        <p14:creationId xmlns:p14="http://schemas.microsoft.com/office/powerpoint/2010/main" val="2424290284"/>
       </p:ext>
     </p:extLst>
   </p:cSld>
   <p:clrMapOvr>
     <a:masterClrMapping/>
   </p:clrMapOvr>
+  <p:timing>
+    <p:tnLst>
+      <p:par>
+        <p:cTn id="1" dur="indefinite" restart="never" nodeType="tmRoot">
+          <p:childTnLst>
+            <p:seq concurrent="1" nextAc="seek">
+              <p:cTn id="2" dur="indefinite" nodeType="mainSeq">
+                <p:childTnLst>
+                  <p:par>
+                    <p:cTn id="3" fill="hold">
+                      <p:stCondLst>
+                        <p:cond delay="indefinite"/>
+                      </p:stCondLst>
+                      <p:childTnLst>
+                        <p:par>
+                          <p:cTn id="4" fill="hold">
+                            <p:stCondLst>
+                              <p:cond delay="0"/>
+                            </p:stCondLst>
+                            <p:childTnLst>
+                              <p:par>
+                                <p:cTn id="5" presetID="10" presetClass="entr" presetSubtype="0" fill="hold" nodeType="clickEffect">
+                                  <p:stCondLst>
+                                    <p:cond delay="0"/>
+                                  </p:stCondLst>
+                                  <p:childTnLst>
+                                    <p:set>
+                                      <p:cBhvr>
+                                        <p:cTn id="6" dur="1" fill="hold">
+                                          <p:stCondLst>
+                                            <p:cond delay="0"/>
+                                          </p:stCondLst>
+                                        </p:cTn>
+                                        <p:tgtEl>
+                                          <p:spTgt spid="4"/>
+                                        </p:tgtEl>
+                                        <p:attrNameLst>
+                                          <p:attrName>style.visibility</p:attrName>
+                                        </p:attrNameLst>
+                                      </p:cBhvr>
+                                      <p:to>
+                                        <p:strVal val="visible"/>
+                                      </p:to>
+                                    </p:set>
+                                    <p:animEffect transition="in" filter="fade">
+                                      <p:cBhvr>
+                                        <p:cTn id="7" dur="500"/>
+                                        <p:tgtEl>
+                                          <p:spTgt spid="4"/>
+                                        </p:tgtEl>
+                                      </p:cBhvr>
+                                    </p:animEffect>
+                                  </p:childTnLst>
+                                </p:cTn>
+                              </p:par>
+                            </p:childTnLst>
+                          </p:cTn>
+                        </p:par>
+                      </p:childTnLst>
+                    </p:cTn>
+                  </p:par>
+                  <p:par>
+                    <p:cTn id="8" fill="hold">
+                      <p:stCondLst>
+                        <p:cond delay="indefinite"/>
+                      </p:stCondLst>
+                      <p:childTnLst>
+                        <p:par>
+                          <p:cTn id="9" fill="hold">
+                            <p:stCondLst>
+                              <p:cond delay="0"/>
+                            </p:stCondLst>
+                            <p:childTnLst>
+                              <p:par>
+                                <p:cTn id="10" presetID="10" presetClass="entr" presetSubtype="0" fill="hold" nodeType="clickEffect">
+                                  <p:stCondLst>
+                                    <p:cond delay="0"/>
+                                  </p:stCondLst>
+                                  <p:childTnLst>
+                                    <p:set>
+                                      <p:cBhvr>
+                                        <p:cTn id="11" dur="1" fill="hold">
+                                          <p:stCondLst>
+                                            <p:cond delay="0"/>
+                                          </p:stCondLst>
+                                        </p:cTn>
+                                        <p:tgtEl>
+                                          <p:spTgt spid="12"/>
+                                        </p:tgtEl>
+                                        <p:attrNameLst>
+                                          <p:attrName>style.visibility</p:attrName>
+                                        </p:attrNameLst>
+                                      </p:cBhvr>
+                                      <p:to>
+                                        <p:strVal val="visible"/>
+                                      </p:to>
+                                    </p:set>
+                                    <p:animEffect transition="in" filter="fade">
+                                      <p:cBhvr>
+                                        <p:cTn id="12" dur="500"/>
+                                        <p:tgtEl>
+                                          <p:spTgt spid="12"/>
+                                        </p:tgtEl>
+                                      </p:cBhvr>
+                                    </p:animEffect>
+                                  </p:childTnLst>
+                                </p:cTn>
+                              </p:par>
+                            </p:childTnLst>
+                          </p:cTn>
+                        </p:par>
+                      </p:childTnLst>
+                    </p:cTn>
+                  </p:par>
+                  <p:par>
+                    <p:cTn id="13" fill="hold">
+                      <p:stCondLst>
+                        <p:cond delay="indefinite"/>
+                      </p:stCondLst>
+                      <p:childTnLst>
+                        <p:par>
+                          <p:cTn id="14" fill="hold">
+                            <p:stCondLst>
+                              <p:cond delay="0"/>
+                            </p:stCondLst>
+                            <p:childTnLst>
+                              <p:par>
+                                <p:cTn id="15" presetID="10" presetClass="entr" presetSubtype="0" fill="hold" nodeType="clickEffect">
+                                  <p:stCondLst>
+                                    <p:cond delay="0"/>
+                                  </p:stCondLst>
+                                  <p:childTnLst>
+                                    <p:set>
+                                      <p:cBhvr>
+                                        <p:cTn id="16" dur="1" fill="hold">
+                                          <p:stCondLst>
+                                            <p:cond delay="0"/>
+                                          </p:stCondLst>
+                                        </p:cTn>
+                                        <p:tgtEl>
+                                          <p:spTgt spid="8"/>
+                                        </p:tgtEl>
+                                        <p:attrNameLst>
+                                          <p:attrName>style.visibility</p:attrName>
+                                        </p:attrNameLst>
+                                      </p:cBhvr>
+                                      <p:to>
+                                        <p:strVal val="visible"/>
+                                      </p:to>
+                                    </p:set>
+                                    <p:animEffect transition="in" filter="fade">
+                                      <p:cBhvr>
+                                        <p:cTn id="17" dur="500"/>
+                                        <p:tgtEl>
+                                          <p:spTgt spid="8"/>
+                                        </p:tgtEl>
+                                      </p:cBhvr>
+                                    </p:animEffect>
+                                  </p:childTnLst>
+                                </p:cTn>
+                              </p:par>
+                            </p:childTnLst>
+                          </p:cTn>
+                        </p:par>
+                      </p:childTnLst>
+                    </p:cTn>
+                  </p:par>
+                </p:childTnLst>
+              </p:cTn>
+              <p:prevCondLst>
+                <p:cond evt="onPrev" delay="0">
+                  <p:tgtEl>
+                    <p:sldTgt/>
+                  </p:tgtEl>
+                </p:cond>
+              </p:prevCondLst>
+              <p:nextCondLst>
+                <p:cond evt="onNext" delay="0">
+                  <p:tgtEl>
+                    <p:sldTgt/>
+                  </p:tgtEl>
+                </p:cond>
+              </p:nextCondLst>
+            </p:seq>
+          </p:childTnLst>
+        </p:cTn>
+      </p:par>
+    </p:tnLst>
+  </p:timing>
 </p:sld>
 </file>
 
